--- a/docs/diagrams/UndoRedoSequenceDiagram.pptx
+++ b/docs/diagrams/UndoRedoSequenceDiagram.pptx
@@ -10,14 +10,14 @@
   <p:sldIdLst>
     <p:sldId id="267" r:id="rId2"/>
   </p:sldIdLst>
-  <p:sldSz cx="9144000" cy="6858000" type="screen4x3"/>
+  <p:sldSz cx="12801600" cy="9601200" type="A3"/>
   <p:notesSz cx="6858000" cy="9144000"/>
   <p:defaultTextStyle>
     <a:defPPr>
       <a:defRPr lang="en-US"/>
     </a:defPPr>
-    <a:lvl1pPr marL="0" algn="l" defTabSz="914400" rtl="0" eaLnBrk="1" latinLnBrk="0" hangingPunct="1">
-      <a:defRPr sz="1800" kern="1200">
+    <a:lvl1pPr marL="0" algn="l" defTabSz="1280160" rtl="0" eaLnBrk="1" latinLnBrk="0" hangingPunct="1">
+      <a:defRPr sz="2520" kern="1200">
         <a:solidFill>
           <a:schemeClr val="tx1"/>
         </a:solidFill>
@@ -26,8 +26,8 @@
         <a:cs typeface="+mn-cs"/>
       </a:defRPr>
     </a:lvl1pPr>
-    <a:lvl2pPr marL="457200" algn="l" defTabSz="914400" rtl="0" eaLnBrk="1" latinLnBrk="0" hangingPunct="1">
-      <a:defRPr sz="1800" kern="1200">
+    <a:lvl2pPr marL="640080" algn="l" defTabSz="1280160" rtl="0" eaLnBrk="1" latinLnBrk="0" hangingPunct="1">
+      <a:defRPr sz="2520" kern="1200">
         <a:solidFill>
           <a:schemeClr val="tx1"/>
         </a:solidFill>
@@ -36,8 +36,8 @@
         <a:cs typeface="+mn-cs"/>
       </a:defRPr>
     </a:lvl2pPr>
-    <a:lvl3pPr marL="914400" algn="l" defTabSz="914400" rtl="0" eaLnBrk="1" latinLnBrk="0" hangingPunct="1">
-      <a:defRPr sz="1800" kern="1200">
+    <a:lvl3pPr marL="1280160" algn="l" defTabSz="1280160" rtl="0" eaLnBrk="1" latinLnBrk="0" hangingPunct="1">
+      <a:defRPr sz="2520" kern="1200">
         <a:solidFill>
           <a:schemeClr val="tx1"/>
         </a:solidFill>
@@ -46,8 +46,8 @@
         <a:cs typeface="+mn-cs"/>
       </a:defRPr>
     </a:lvl3pPr>
-    <a:lvl4pPr marL="1371600" algn="l" defTabSz="914400" rtl="0" eaLnBrk="1" latinLnBrk="0" hangingPunct="1">
-      <a:defRPr sz="1800" kern="1200">
+    <a:lvl4pPr marL="1920240" algn="l" defTabSz="1280160" rtl="0" eaLnBrk="1" latinLnBrk="0" hangingPunct="1">
+      <a:defRPr sz="2520" kern="1200">
         <a:solidFill>
           <a:schemeClr val="tx1"/>
         </a:solidFill>
@@ -56,8 +56,8 @@
         <a:cs typeface="+mn-cs"/>
       </a:defRPr>
     </a:lvl4pPr>
-    <a:lvl5pPr marL="1828800" algn="l" defTabSz="914400" rtl="0" eaLnBrk="1" latinLnBrk="0" hangingPunct="1">
-      <a:defRPr sz="1800" kern="1200">
+    <a:lvl5pPr marL="2560320" algn="l" defTabSz="1280160" rtl="0" eaLnBrk="1" latinLnBrk="0" hangingPunct="1">
+      <a:defRPr sz="2520" kern="1200">
         <a:solidFill>
           <a:schemeClr val="tx1"/>
         </a:solidFill>
@@ -66,8 +66,8 @@
         <a:cs typeface="+mn-cs"/>
       </a:defRPr>
     </a:lvl5pPr>
-    <a:lvl6pPr marL="2286000" algn="l" defTabSz="914400" rtl="0" eaLnBrk="1" latinLnBrk="0" hangingPunct="1">
-      <a:defRPr sz="1800" kern="1200">
+    <a:lvl6pPr marL="3200400" algn="l" defTabSz="1280160" rtl="0" eaLnBrk="1" latinLnBrk="0" hangingPunct="1">
+      <a:defRPr sz="2520" kern="1200">
         <a:solidFill>
           <a:schemeClr val="tx1"/>
         </a:solidFill>
@@ -76,8 +76,8 @@
         <a:cs typeface="+mn-cs"/>
       </a:defRPr>
     </a:lvl6pPr>
-    <a:lvl7pPr marL="2743200" algn="l" defTabSz="914400" rtl="0" eaLnBrk="1" latinLnBrk="0" hangingPunct="1">
-      <a:defRPr sz="1800" kern="1200">
+    <a:lvl7pPr marL="3840480" algn="l" defTabSz="1280160" rtl="0" eaLnBrk="1" latinLnBrk="0" hangingPunct="1">
+      <a:defRPr sz="2520" kern="1200">
         <a:solidFill>
           <a:schemeClr val="tx1"/>
         </a:solidFill>
@@ -86,8 +86,8 @@
         <a:cs typeface="+mn-cs"/>
       </a:defRPr>
     </a:lvl7pPr>
-    <a:lvl8pPr marL="3200400" algn="l" defTabSz="914400" rtl="0" eaLnBrk="1" latinLnBrk="0" hangingPunct="1">
-      <a:defRPr sz="1800" kern="1200">
+    <a:lvl8pPr marL="4480560" algn="l" defTabSz="1280160" rtl="0" eaLnBrk="1" latinLnBrk="0" hangingPunct="1">
+      <a:defRPr sz="2520" kern="1200">
         <a:solidFill>
           <a:schemeClr val="tx1"/>
         </a:solidFill>
@@ -96,8 +96,8 @@
         <a:cs typeface="+mn-cs"/>
       </a:defRPr>
     </a:lvl8pPr>
-    <a:lvl9pPr marL="3657600" algn="l" defTabSz="914400" rtl="0" eaLnBrk="1" latinLnBrk="0" hangingPunct="1">
-      <a:defRPr sz="1800" kern="1200">
+    <a:lvl9pPr marL="5120640" algn="l" defTabSz="1280160" rtl="0" eaLnBrk="1" latinLnBrk="0" hangingPunct="1">
+      <a:defRPr sz="2520" kern="1200">
         <a:solidFill>
           <a:schemeClr val="tx1"/>
         </a:solidFill>
@@ -110,12 +110,12 @@
   <p:extLst>
     <p:ext uri="{EFAFB233-063F-42B5-8137-9DF3F51BA10A}">
       <p15:sldGuideLst xmlns:p15="http://schemas.microsoft.com/office/powerpoint/2012/main">
-        <p15:guide id="1" orient="horz" pos="1488">
+        <p15:guide id="1" orient="horz" pos="2083" userDrawn="1">
           <p15:clr>
             <a:srgbClr val="A4A3A4"/>
           </p15:clr>
         </p15:guide>
-        <p15:guide id="2" pos="2880">
+        <p15:guide id="2" pos="4032" userDrawn="1">
           <p15:clr>
             <a:srgbClr val="A4A3A4"/>
           </p15:clr>
@@ -212,7 +212,7 @@
           <a:p>
             <a:fld id="{F5CC4B3F-88C1-4FFA-B1B6-F41C21DC6924}" type="datetimeFigureOut">
               <a:rPr lang="en-US" smtClean="0"/>
-              <a:t>7/6/2018</a:t>
+              <a:t>10/17/2018</a:t>
             </a:fld>
             <a:endParaRPr lang="en-US"/>
           </a:p>
@@ -385,8 +385,8 @@
   </p:cSld>
   <p:clrMap bg1="lt1" tx1="dk1" bg2="lt2" tx2="dk2" accent1="accent1" accent2="accent2" accent3="accent3" accent4="accent4" accent5="accent5" accent6="accent6" hlink="hlink" folHlink="folHlink"/>
   <p:notesStyle>
-    <a:lvl1pPr marL="0" algn="l" defTabSz="914400" rtl="0" eaLnBrk="1" latinLnBrk="0" hangingPunct="1">
-      <a:defRPr sz="1200" kern="1200">
+    <a:lvl1pPr marL="0" algn="l" defTabSz="1280160" rtl="0" eaLnBrk="1" latinLnBrk="0" hangingPunct="1">
+      <a:defRPr sz="1680" kern="1200">
         <a:solidFill>
           <a:schemeClr val="tx1"/>
         </a:solidFill>
@@ -395,8 +395,8 @@
         <a:cs typeface="+mn-cs"/>
       </a:defRPr>
     </a:lvl1pPr>
-    <a:lvl2pPr marL="457200" algn="l" defTabSz="914400" rtl="0" eaLnBrk="1" latinLnBrk="0" hangingPunct="1">
-      <a:defRPr sz="1200" kern="1200">
+    <a:lvl2pPr marL="640080" algn="l" defTabSz="1280160" rtl="0" eaLnBrk="1" latinLnBrk="0" hangingPunct="1">
+      <a:defRPr sz="1680" kern="1200">
         <a:solidFill>
           <a:schemeClr val="tx1"/>
         </a:solidFill>
@@ -405,8 +405,8 @@
         <a:cs typeface="+mn-cs"/>
       </a:defRPr>
     </a:lvl2pPr>
-    <a:lvl3pPr marL="914400" algn="l" defTabSz="914400" rtl="0" eaLnBrk="1" latinLnBrk="0" hangingPunct="1">
-      <a:defRPr sz="1200" kern="1200">
+    <a:lvl3pPr marL="1280160" algn="l" defTabSz="1280160" rtl="0" eaLnBrk="1" latinLnBrk="0" hangingPunct="1">
+      <a:defRPr sz="1680" kern="1200">
         <a:solidFill>
           <a:schemeClr val="tx1"/>
         </a:solidFill>
@@ -415,8 +415,8 @@
         <a:cs typeface="+mn-cs"/>
       </a:defRPr>
     </a:lvl3pPr>
-    <a:lvl4pPr marL="1371600" algn="l" defTabSz="914400" rtl="0" eaLnBrk="1" latinLnBrk="0" hangingPunct="1">
-      <a:defRPr sz="1200" kern="1200">
+    <a:lvl4pPr marL="1920240" algn="l" defTabSz="1280160" rtl="0" eaLnBrk="1" latinLnBrk="0" hangingPunct="1">
+      <a:defRPr sz="1680" kern="1200">
         <a:solidFill>
           <a:schemeClr val="tx1"/>
         </a:solidFill>
@@ -425,8 +425,8 @@
         <a:cs typeface="+mn-cs"/>
       </a:defRPr>
     </a:lvl4pPr>
-    <a:lvl5pPr marL="1828800" algn="l" defTabSz="914400" rtl="0" eaLnBrk="1" latinLnBrk="0" hangingPunct="1">
-      <a:defRPr sz="1200" kern="1200">
+    <a:lvl5pPr marL="2560320" algn="l" defTabSz="1280160" rtl="0" eaLnBrk="1" latinLnBrk="0" hangingPunct="1">
+      <a:defRPr sz="1680" kern="1200">
         <a:solidFill>
           <a:schemeClr val="tx1"/>
         </a:solidFill>
@@ -435,8 +435,8 @@
         <a:cs typeface="+mn-cs"/>
       </a:defRPr>
     </a:lvl5pPr>
-    <a:lvl6pPr marL="2286000" algn="l" defTabSz="914400" rtl="0" eaLnBrk="1" latinLnBrk="0" hangingPunct="1">
-      <a:defRPr sz="1200" kern="1200">
+    <a:lvl6pPr marL="3200400" algn="l" defTabSz="1280160" rtl="0" eaLnBrk="1" latinLnBrk="0" hangingPunct="1">
+      <a:defRPr sz="1680" kern="1200">
         <a:solidFill>
           <a:schemeClr val="tx1"/>
         </a:solidFill>
@@ -445,8 +445,8 @@
         <a:cs typeface="+mn-cs"/>
       </a:defRPr>
     </a:lvl6pPr>
-    <a:lvl7pPr marL="2743200" algn="l" defTabSz="914400" rtl="0" eaLnBrk="1" latinLnBrk="0" hangingPunct="1">
-      <a:defRPr sz="1200" kern="1200">
+    <a:lvl7pPr marL="3840480" algn="l" defTabSz="1280160" rtl="0" eaLnBrk="1" latinLnBrk="0" hangingPunct="1">
+      <a:defRPr sz="1680" kern="1200">
         <a:solidFill>
           <a:schemeClr val="tx1"/>
         </a:solidFill>
@@ -455,8 +455,8 @@
         <a:cs typeface="+mn-cs"/>
       </a:defRPr>
     </a:lvl7pPr>
-    <a:lvl8pPr marL="3200400" algn="l" defTabSz="914400" rtl="0" eaLnBrk="1" latinLnBrk="0" hangingPunct="1">
-      <a:defRPr sz="1200" kern="1200">
+    <a:lvl8pPr marL="4480560" algn="l" defTabSz="1280160" rtl="0" eaLnBrk="1" latinLnBrk="0" hangingPunct="1">
+      <a:defRPr sz="1680" kern="1200">
         <a:solidFill>
           <a:schemeClr val="tx1"/>
         </a:solidFill>
@@ -465,8 +465,8 @@
         <a:cs typeface="+mn-cs"/>
       </a:defRPr>
     </a:lvl8pPr>
-    <a:lvl9pPr marL="3657600" algn="l" defTabSz="914400" rtl="0" eaLnBrk="1" latinLnBrk="0" hangingPunct="1">
-      <a:defRPr sz="1200" kern="1200">
+    <a:lvl9pPr marL="5120640" algn="l" defTabSz="1280160" rtl="0" eaLnBrk="1" latinLnBrk="0" hangingPunct="1">
+      <a:defRPr sz="1680" kern="1200">
         <a:solidFill>
           <a:schemeClr val="tx1"/>
         </a:solidFill>
@@ -508,8 +508,8 @@
         </p:nvSpPr>
         <p:spPr>
           <a:xfrm>
-            <a:off x="685800" y="2130425"/>
-            <a:ext cx="7772400" cy="1470025"/>
+            <a:off x="960120" y="2982600"/>
+            <a:ext cx="10881360" cy="2058035"/>
           </a:xfrm>
         </p:spPr>
         <p:txBody>
@@ -535,8 +535,8 @@
         </p:nvSpPr>
         <p:spPr>
           <a:xfrm>
-            <a:off x="1371600" y="3886200"/>
-            <a:ext cx="6400800" cy="1752600"/>
+            <a:off x="1920240" y="5440680"/>
+            <a:ext cx="8961120" cy="2453640"/>
           </a:xfrm>
         </p:spPr>
         <p:txBody>
@@ -552,7 +552,7 @@
                 </a:solidFill>
               </a:defRPr>
             </a:lvl1pPr>
-            <a:lvl2pPr marL="457200" indent="0" algn="ctr">
+            <a:lvl2pPr marL="480048" indent="0" algn="ctr">
               <a:buNone/>
               <a:defRPr>
                 <a:solidFill>
@@ -562,7 +562,7 @@
                 </a:solidFill>
               </a:defRPr>
             </a:lvl2pPr>
-            <a:lvl3pPr marL="914400" indent="0" algn="ctr">
+            <a:lvl3pPr marL="960096" indent="0" algn="ctr">
               <a:buNone/>
               <a:defRPr>
                 <a:solidFill>
@@ -572,7 +572,7 @@
                 </a:solidFill>
               </a:defRPr>
             </a:lvl3pPr>
-            <a:lvl4pPr marL="1371600" indent="0" algn="ctr">
+            <a:lvl4pPr marL="1440144" indent="0" algn="ctr">
               <a:buNone/>
               <a:defRPr>
                 <a:solidFill>
@@ -582,7 +582,7 @@
                 </a:solidFill>
               </a:defRPr>
             </a:lvl4pPr>
-            <a:lvl5pPr marL="1828800" indent="0" algn="ctr">
+            <a:lvl5pPr marL="1920192" indent="0" algn="ctr">
               <a:buNone/>
               <a:defRPr>
                 <a:solidFill>
@@ -592,7 +592,7 @@
                 </a:solidFill>
               </a:defRPr>
             </a:lvl5pPr>
-            <a:lvl6pPr marL="2286000" indent="0" algn="ctr">
+            <a:lvl6pPr marL="2400240" indent="0" algn="ctr">
               <a:buNone/>
               <a:defRPr>
                 <a:solidFill>
@@ -602,7 +602,7 @@
                 </a:solidFill>
               </a:defRPr>
             </a:lvl6pPr>
-            <a:lvl7pPr marL="2743200" indent="0" algn="ctr">
+            <a:lvl7pPr marL="2880288" indent="0" algn="ctr">
               <a:buNone/>
               <a:defRPr>
                 <a:solidFill>
@@ -612,7 +612,7 @@
                 </a:solidFill>
               </a:defRPr>
             </a:lvl7pPr>
-            <a:lvl8pPr marL="3200400" indent="0" algn="ctr">
+            <a:lvl8pPr marL="3360336" indent="0" algn="ctr">
               <a:buNone/>
               <a:defRPr>
                 <a:solidFill>
@@ -622,7 +622,7 @@
                 </a:solidFill>
               </a:defRPr>
             </a:lvl8pPr>
-            <a:lvl9pPr marL="3657600" indent="0" algn="ctr">
+            <a:lvl9pPr marL="3840384" indent="0" algn="ctr">
               <a:buNone/>
               <a:defRPr>
                 <a:solidFill>
@@ -658,7 +658,7 @@
           <a:p>
             <a:fld id="{78C97017-6FC3-485B-9764-EAC9E56C1D49}" type="datetimeFigureOut">
               <a:rPr lang="en-US" smtClean="0"/>
-              <a:t>7/6/2018</a:t>
+              <a:t>10/17/2018</a:t>
             </a:fld>
             <a:endParaRPr lang="en-US"/>
           </a:p>
@@ -826,7 +826,7 @@
           <a:p>
             <a:fld id="{78C97017-6FC3-485B-9764-EAC9E56C1D49}" type="datetimeFigureOut">
               <a:rPr lang="en-US" smtClean="0"/>
-              <a:t>7/6/2018</a:t>
+              <a:t>10/17/2018</a:t>
             </a:fld>
             <a:endParaRPr lang="en-US"/>
           </a:p>
@@ -916,8 +916,8 @@
         </p:nvSpPr>
         <p:spPr>
           <a:xfrm>
-            <a:off x="6629400" y="274638"/>
-            <a:ext cx="2057400" cy="5851525"/>
+            <a:off x="9281160" y="384498"/>
+            <a:ext cx="2880360" cy="8192135"/>
           </a:xfrm>
         </p:spPr>
         <p:txBody>
@@ -943,8 +943,8 @@
         </p:nvSpPr>
         <p:spPr>
           <a:xfrm>
-            <a:off x="457200" y="274638"/>
-            <a:ext cx="6019800" cy="5851525"/>
+            <a:off x="640080" y="384498"/>
+            <a:ext cx="8427720" cy="8192135"/>
           </a:xfrm>
         </p:spPr>
         <p:txBody>
@@ -1004,7 +1004,7 @@
           <a:p>
             <a:fld id="{78C97017-6FC3-485B-9764-EAC9E56C1D49}" type="datetimeFigureOut">
               <a:rPr lang="en-US" smtClean="0"/>
-              <a:t>7/6/2018</a:t>
+              <a:t>10/17/2018</a:t>
             </a:fld>
             <a:endParaRPr lang="en-US"/>
           </a:p>
@@ -1172,7 +1172,7 @@
           <a:p>
             <a:fld id="{78C97017-6FC3-485B-9764-EAC9E56C1D49}" type="datetimeFigureOut">
               <a:rPr lang="en-US" smtClean="0"/>
-              <a:t>7/6/2018</a:t>
+              <a:t>10/17/2018</a:t>
             </a:fld>
             <a:endParaRPr lang="en-US"/>
           </a:p>
@@ -1262,15 +1262,15 @@
         </p:nvSpPr>
         <p:spPr>
           <a:xfrm>
-            <a:off x="722313" y="4406900"/>
-            <a:ext cx="7772400" cy="1362075"/>
+            <a:off x="1011238" y="6169665"/>
+            <a:ext cx="10881360" cy="1906905"/>
           </a:xfrm>
         </p:spPr>
         <p:txBody>
           <a:bodyPr anchor="t"/>
           <a:lstStyle>
             <a:lvl1pPr algn="l">
-              <a:defRPr sz="4000" b="1" cap="all"/>
+              <a:defRPr sz="4200" b="1" cap="all"/>
             </a:lvl1pPr>
           </a:lstStyle>
           <a:p>
@@ -1293,8 +1293,8 @@
         </p:nvSpPr>
         <p:spPr>
           <a:xfrm>
-            <a:off x="722313" y="2906713"/>
-            <a:ext cx="7772400" cy="1500187"/>
+            <a:off x="1011238" y="4069399"/>
+            <a:ext cx="10881360" cy="2100262"/>
           </a:xfrm>
         </p:spPr>
         <p:txBody>
@@ -1302,7 +1302,7 @@
           <a:lstStyle>
             <a:lvl1pPr marL="0" indent="0">
               <a:buNone/>
-              <a:defRPr sz="2000">
+              <a:defRPr sz="2100">
                 <a:solidFill>
                   <a:schemeClr val="tx1">
                     <a:tint val="75000"/>
@@ -1310,9 +1310,9 @@
                 </a:solidFill>
               </a:defRPr>
             </a:lvl1pPr>
-            <a:lvl2pPr marL="457200" indent="0">
+            <a:lvl2pPr marL="480048" indent="0">
               <a:buNone/>
-              <a:defRPr sz="1800">
+              <a:defRPr sz="1890">
                 <a:solidFill>
                   <a:schemeClr val="tx1">
                     <a:tint val="75000"/>
@@ -1320,9 +1320,9 @@
                 </a:solidFill>
               </a:defRPr>
             </a:lvl2pPr>
-            <a:lvl3pPr marL="914400" indent="0">
+            <a:lvl3pPr marL="960096" indent="0">
               <a:buNone/>
-              <a:defRPr sz="1600">
+              <a:defRPr sz="1680">
                 <a:solidFill>
                   <a:schemeClr val="tx1">
                     <a:tint val="75000"/>
@@ -1330,9 +1330,9 @@
                 </a:solidFill>
               </a:defRPr>
             </a:lvl3pPr>
-            <a:lvl4pPr marL="1371600" indent="0">
+            <a:lvl4pPr marL="1440144" indent="0">
               <a:buNone/>
-              <a:defRPr sz="1400">
+              <a:defRPr sz="1470">
                 <a:solidFill>
                   <a:schemeClr val="tx1">
                     <a:tint val="75000"/>
@@ -1340,9 +1340,9 @@
                 </a:solidFill>
               </a:defRPr>
             </a:lvl4pPr>
-            <a:lvl5pPr marL="1828800" indent="0">
+            <a:lvl5pPr marL="1920192" indent="0">
               <a:buNone/>
-              <a:defRPr sz="1400">
+              <a:defRPr sz="1470">
                 <a:solidFill>
                   <a:schemeClr val="tx1">
                     <a:tint val="75000"/>
@@ -1350,9 +1350,9 @@
                 </a:solidFill>
               </a:defRPr>
             </a:lvl5pPr>
-            <a:lvl6pPr marL="2286000" indent="0">
+            <a:lvl6pPr marL="2400240" indent="0">
               <a:buNone/>
-              <a:defRPr sz="1400">
+              <a:defRPr sz="1470">
                 <a:solidFill>
                   <a:schemeClr val="tx1">
                     <a:tint val="75000"/>
@@ -1360,9 +1360,9 @@
                 </a:solidFill>
               </a:defRPr>
             </a:lvl6pPr>
-            <a:lvl7pPr marL="2743200" indent="0">
+            <a:lvl7pPr marL="2880288" indent="0">
               <a:buNone/>
-              <a:defRPr sz="1400">
+              <a:defRPr sz="1470">
                 <a:solidFill>
                   <a:schemeClr val="tx1">
                     <a:tint val="75000"/>
@@ -1370,9 +1370,9 @@
                 </a:solidFill>
               </a:defRPr>
             </a:lvl7pPr>
-            <a:lvl8pPr marL="3200400" indent="0">
+            <a:lvl8pPr marL="3360336" indent="0">
               <a:buNone/>
-              <a:defRPr sz="1400">
+              <a:defRPr sz="1470">
                 <a:solidFill>
                   <a:schemeClr val="tx1">
                     <a:tint val="75000"/>
@@ -1380,9 +1380,9 @@
                 </a:solidFill>
               </a:defRPr>
             </a:lvl8pPr>
-            <a:lvl9pPr marL="3657600" indent="0">
+            <a:lvl9pPr marL="3840384" indent="0">
               <a:buNone/>
-              <a:defRPr sz="1400">
+              <a:defRPr sz="1470">
                 <a:solidFill>
                   <a:schemeClr val="tx1">
                     <a:tint val="75000"/>
@@ -1417,7 +1417,7 @@
           <a:p>
             <a:fld id="{78C97017-6FC3-485B-9764-EAC9E56C1D49}" type="datetimeFigureOut">
               <a:rPr lang="en-US" smtClean="0"/>
-              <a:t>7/6/2018</a:t>
+              <a:t>10/17/2018</a:t>
             </a:fld>
             <a:endParaRPr lang="en-US"/>
           </a:p>
@@ -1529,39 +1529,39 @@
         </p:nvSpPr>
         <p:spPr>
           <a:xfrm>
-            <a:off x="457200" y="1600200"/>
-            <a:ext cx="4038600" cy="4525963"/>
+            <a:off x="640080" y="2240281"/>
+            <a:ext cx="5654040" cy="6336348"/>
           </a:xfrm>
         </p:spPr>
         <p:txBody>
           <a:bodyPr/>
           <a:lstStyle>
             <a:lvl1pPr>
-              <a:defRPr sz="2800"/>
+              <a:defRPr sz="2940"/>
             </a:lvl1pPr>
             <a:lvl2pPr>
-              <a:defRPr sz="2400"/>
+              <a:defRPr sz="2520"/>
             </a:lvl2pPr>
             <a:lvl3pPr>
-              <a:defRPr sz="2000"/>
+              <a:defRPr sz="2100"/>
             </a:lvl3pPr>
             <a:lvl4pPr>
-              <a:defRPr sz="1800"/>
+              <a:defRPr sz="1890"/>
             </a:lvl4pPr>
             <a:lvl5pPr>
-              <a:defRPr sz="1800"/>
+              <a:defRPr sz="1890"/>
             </a:lvl5pPr>
             <a:lvl6pPr>
-              <a:defRPr sz="1800"/>
+              <a:defRPr sz="1890"/>
             </a:lvl6pPr>
             <a:lvl7pPr>
-              <a:defRPr sz="1800"/>
+              <a:defRPr sz="1890"/>
             </a:lvl7pPr>
             <a:lvl8pPr>
-              <a:defRPr sz="1800"/>
+              <a:defRPr sz="1890"/>
             </a:lvl8pPr>
             <a:lvl9pPr>
-              <a:defRPr sz="1800"/>
+              <a:defRPr sz="1890"/>
             </a:lvl9pPr>
           </a:lstStyle>
           <a:p>
@@ -1613,39 +1613,39 @@
         </p:nvSpPr>
         <p:spPr>
           <a:xfrm>
-            <a:off x="4648200" y="1600200"/>
-            <a:ext cx="4038600" cy="4525963"/>
+            <a:off x="6507480" y="2240281"/>
+            <a:ext cx="5654040" cy="6336348"/>
           </a:xfrm>
         </p:spPr>
         <p:txBody>
           <a:bodyPr/>
           <a:lstStyle>
             <a:lvl1pPr>
-              <a:defRPr sz="2800"/>
+              <a:defRPr sz="2940"/>
             </a:lvl1pPr>
             <a:lvl2pPr>
-              <a:defRPr sz="2400"/>
+              <a:defRPr sz="2520"/>
             </a:lvl2pPr>
             <a:lvl3pPr>
-              <a:defRPr sz="2000"/>
+              <a:defRPr sz="2100"/>
             </a:lvl3pPr>
             <a:lvl4pPr>
-              <a:defRPr sz="1800"/>
+              <a:defRPr sz="1890"/>
             </a:lvl4pPr>
             <a:lvl5pPr>
-              <a:defRPr sz="1800"/>
+              <a:defRPr sz="1890"/>
             </a:lvl5pPr>
             <a:lvl6pPr>
-              <a:defRPr sz="1800"/>
+              <a:defRPr sz="1890"/>
             </a:lvl6pPr>
             <a:lvl7pPr>
-              <a:defRPr sz="1800"/>
+              <a:defRPr sz="1890"/>
             </a:lvl7pPr>
             <a:lvl8pPr>
-              <a:defRPr sz="1800"/>
+              <a:defRPr sz="1890"/>
             </a:lvl8pPr>
             <a:lvl9pPr>
-              <a:defRPr sz="1800"/>
+              <a:defRPr sz="1890"/>
             </a:lvl9pPr>
           </a:lstStyle>
           <a:p>
@@ -1702,7 +1702,7 @@
           <a:p>
             <a:fld id="{78C97017-6FC3-485B-9764-EAC9E56C1D49}" type="datetimeFigureOut">
               <a:rPr lang="en-US" smtClean="0"/>
-              <a:t>7/6/2018</a:t>
+              <a:t>10/17/2018</a:t>
             </a:fld>
             <a:endParaRPr lang="en-US"/>
           </a:p>
@@ -1818,8 +1818,8 @@
         </p:nvSpPr>
         <p:spPr>
           <a:xfrm>
-            <a:off x="457200" y="1535113"/>
-            <a:ext cx="4040188" cy="639762"/>
+            <a:off x="640082" y="2149162"/>
+            <a:ext cx="5656263" cy="895667"/>
           </a:xfrm>
         </p:spPr>
         <p:txBody>
@@ -1827,39 +1827,39 @@
           <a:lstStyle>
             <a:lvl1pPr marL="0" indent="0">
               <a:buNone/>
-              <a:defRPr sz="2400" b="1"/>
+              <a:defRPr sz="2520" b="1"/>
             </a:lvl1pPr>
-            <a:lvl2pPr marL="457200" indent="0">
+            <a:lvl2pPr marL="480048" indent="0">
               <a:buNone/>
-              <a:defRPr sz="2000" b="1"/>
+              <a:defRPr sz="2100" b="1"/>
             </a:lvl2pPr>
-            <a:lvl3pPr marL="914400" indent="0">
+            <a:lvl3pPr marL="960096" indent="0">
               <a:buNone/>
-              <a:defRPr sz="1800" b="1"/>
+              <a:defRPr sz="1890" b="1"/>
             </a:lvl3pPr>
-            <a:lvl4pPr marL="1371600" indent="0">
+            <a:lvl4pPr marL="1440144" indent="0">
               <a:buNone/>
-              <a:defRPr sz="1600" b="1"/>
+              <a:defRPr sz="1680" b="1"/>
             </a:lvl4pPr>
-            <a:lvl5pPr marL="1828800" indent="0">
+            <a:lvl5pPr marL="1920192" indent="0">
               <a:buNone/>
-              <a:defRPr sz="1600" b="1"/>
+              <a:defRPr sz="1680" b="1"/>
             </a:lvl5pPr>
-            <a:lvl6pPr marL="2286000" indent="0">
+            <a:lvl6pPr marL="2400240" indent="0">
               <a:buNone/>
-              <a:defRPr sz="1600" b="1"/>
+              <a:defRPr sz="1680" b="1"/>
             </a:lvl6pPr>
-            <a:lvl7pPr marL="2743200" indent="0">
+            <a:lvl7pPr marL="2880288" indent="0">
               <a:buNone/>
-              <a:defRPr sz="1600" b="1"/>
+              <a:defRPr sz="1680" b="1"/>
             </a:lvl7pPr>
-            <a:lvl8pPr marL="3200400" indent="0">
+            <a:lvl8pPr marL="3360336" indent="0">
               <a:buNone/>
-              <a:defRPr sz="1600" b="1"/>
+              <a:defRPr sz="1680" b="1"/>
             </a:lvl8pPr>
-            <a:lvl9pPr marL="3657600" indent="0">
+            <a:lvl9pPr marL="3840384" indent="0">
               <a:buNone/>
-              <a:defRPr sz="1600" b="1"/>
+              <a:defRPr sz="1680" b="1"/>
             </a:lvl9pPr>
           </a:lstStyle>
           <a:p>
@@ -1883,39 +1883,39 @@
         </p:nvSpPr>
         <p:spPr>
           <a:xfrm>
-            <a:off x="457200" y="2174875"/>
-            <a:ext cx="4040188" cy="3951288"/>
+            <a:off x="640082" y="3044826"/>
+            <a:ext cx="5656263" cy="5531803"/>
           </a:xfrm>
         </p:spPr>
         <p:txBody>
           <a:bodyPr/>
           <a:lstStyle>
             <a:lvl1pPr>
-              <a:defRPr sz="2400"/>
+              <a:defRPr sz="2520"/>
             </a:lvl1pPr>
             <a:lvl2pPr>
-              <a:defRPr sz="2000"/>
+              <a:defRPr sz="2100"/>
             </a:lvl2pPr>
             <a:lvl3pPr>
-              <a:defRPr sz="1800"/>
+              <a:defRPr sz="1890"/>
             </a:lvl3pPr>
             <a:lvl4pPr>
-              <a:defRPr sz="1600"/>
+              <a:defRPr sz="1680"/>
             </a:lvl4pPr>
             <a:lvl5pPr>
-              <a:defRPr sz="1600"/>
+              <a:defRPr sz="1680"/>
             </a:lvl5pPr>
             <a:lvl6pPr>
-              <a:defRPr sz="1600"/>
+              <a:defRPr sz="1680"/>
             </a:lvl6pPr>
             <a:lvl7pPr>
-              <a:defRPr sz="1600"/>
+              <a:defRPr sz="1680"/>
             </a:lvl7pPr>
             <a:lvl8pPr>
-              <a:defRPr sz="1600"/>
+              <a:defRPr sz="1680"/>
             </a:lvl8pPr>
             <a:lvl9pPr>
-              <a:defRPr sz="1600"/>
+              <a:defRPr sz="1680"/>
             </a:lvl9pPr>
           </a:lstStyle>
           <a:p>
@@ -1967,8 +1967,8 @@
         </p:nvSpPr>
         <p:spPr>
           <a:xfrm>
-            <a:off x="4645025" y="1535113"/>
-            <a:ext cx="4041775" cy="639762"/>
+            <a:off x="6503038" y="2149162"/>
+            <a:ext cx="5658485" cy="895667"/>
           </a:xfrm>
         </p:spPr>
         <p:txBody>
@@ -1976,39 +1976,39 @@
           <a:lstStyle>
             <a:lvl1pPr marL="0" indent="0">
               <a:buNone/>
-              <a:defRPr sz="2400" b="1"/>
+              <a:defRPr sz="2520" b="1"/>
             </a:lvl1pPr>
-            <a:lvl2pPr marL="457200" indent="0">
+            <a:lvl2pPr marL="480048" indent="0">
               <a:buNone/>
-              <a:defRPr sz="2000" b="1"/>
+              <a:defRPr sz="2100" b="1"/>
             </a:lvl2pPr>
-            <a:lvl3pPr marL="914400" indent="0">
+            <a:lvl3pPr marL="960096" indent="0">
               <a:buNone/>
-              <a:defRPr sz="1800" b="1"/>
+              <a:defRPr sz="1890" b="1"/>
             </a:lvl3pPr>
-            <a:lvl4pPr marL="1371600" indent="0">
+            <a:lvl4pPr marL="1440144" indent="0">
               <a:buNone/>
-              <a:defRPr sz="1600" b="1"/>
+              <a:defRPr sz="1680" b="1"/>
             </a:lvl4pPr>
-            <a:lvl5pPr marL="1828800" indent="0">
+            <a:lvl5pPr marL="1920192" indent="0">
               <a:buNone/>
-              <a:defRPr sz="1600" b="1"/>
+              <a:defRPr sz="1680" b="1"/>
             </a:lvl5pPr>
-            <a:lvl6pPr marL="2286000" indent="0">
+            <a:lvl6pPr marL="2400240" indent="0">
               <a:buNone/>
-              <a:defRPr sz="1600" b="1"/>
+              <a:defRPr sz="1680" b="1"/>
             </a:lvl6pPr>
-            <a:lvl7pPr marL="2743200" indent="0">
+            <a:lvl7pPr marL="2880288" indent="0">
               <a:buNone/>
-              <a:defRPr sz="1600" b="1"/>
+              <a:defRPr sz="1680" b="1"/>
             </a:lvl7pPr>
-            <a:lvl8pPr marL="3200400" indent="0">
+            <a:lvl8pPr marL="3360336" indent="0">
               <a:buNone/>
-              <a:defRPr sz="1600" b="1"/>
+              <a:defRPr sz="1680" b="1"/>
             </a:lvl8pPr>
-            <a:lvl9pPr marL="3657600" indent="0">
+            <a:lvl9pPr marL="3840384" indent="0">
               <a:buNone/>
-              <a:defRPr sz="1600" b="1"/>
+              <a:defRPr sz="1680" b="1"/>
             </a:lvl9pPr>
           </a:lstStyle>
           <a:p>
@@ -2032,39 +2032,39 @@
         </p:nvSpPr>
         <p:spPr>
           <a:xfrm>
-            <a:off x="4645025" y="2174875"/>
-            <a:ext cx="4041775" cy="3951288"/>
+            <a:off x="6503038" y="3044826"/>
+            <a:ext cx="5658485" cy="5531803"/>
           </a:xfrm>
         </p:spPr>
         <p:txBody>
           <a:bodyPr/>
           <a:lstStyle>
             <a:lvl1pPr>
-              <a:defRPr sz="2400"/>
+              <a:defRPr sz="2520"/>
             </a:lvl1pPr>
             <a:lvl2pPr>
-              <a:defRPr sz="2000"/>
+              <a:defRPr sz="2100"/>
             </a:lvl2pPr>
             <a:lvl3pPr>
-              <a:defRPr sz="1800"/>
+              <a:defRPr sz="1890"/>
             </a:lvl3pPr>
             <a:lvl4pPr>
-              <a:defRPr sz="1600"/>
+              <a:defRPr sz="1680"/>
             </a:lvl4pPr>
             <a:lvl5pPr>
-              <a:defRPr sz="1600"/>
+              <a:defRPr sz="1680"/>
             </a:lvl5pPr>
             <a:lvl6pPr>
-              <a:defRPr sz="1600"/>
+              <a:defRPr sz="1680"/>
             </a:lvl6pPr>
             <a:lvl7pPr>
-              <a:defRPr sz="1600"/>
+              <a:defRPr sz="1680"/>
             </a:lvl7pPr>
             <a:lvl8pPr>
-              <a:defRPr sz="1600"/>
+              <a:defRPr sz="1680"/>
             </a:lvl8pPr>
             <a:lvl9pPr>
-              <a:defRPr sz="1600"/>
+              <a:defRPr sz="1680"/>
             </a:lvl9pPr>
           </a:lstStyle>
           <a:p>
@@ -2121,7 +2121,7 @@
           <a:p>
             <a:fld id="{78C97017-6FC3-485B-9764-EAC9E56C1D49}" type="datetimeFigureOut">
               <a:rPr lang="en-US" smtClean="0"/>
-              <a:t>7/6/2018</a:t>
+              <a:t>10/17/2018</a:t>
             </a:fld>
             <a:endParaRPr lang="en-US"/>
           </a:p>
@@ -2238,7 +2238,7 @@
           <a:p>
             <a:fld id="{78C97017-6FC3-485B-9764-EAC9E56C1D49}" type="datetimeFigureOut">
               <a:rPr lang="en-US" smtClean="0"/>
-              <a:t>7/6/2018</a:t>
+              <a:t>10/17/2018</a:t>
             </a:fld>
             <a:endParaRPr lang="en-US"/>
           </a:p>
@@ -2333,7 +2333,7 @@
           <a:p>
             <a:fld id="{78C97017-6FC3-485B-9764-EAC9E56C1D49}" type="datetimeFigureOut">
               <a:rPr lang="en-US" smtClean="0"/>
-              <a:t>7/6/2018</a:t>
+              <a:t>10/17/2018</a:t>
             </a:fld>
             <a:endParaRPr lang="en-US"/>
           </a:p>
@@ -2391,6 +2391,13 @@
   <p:clrMapOvr>
     <a:masterClrMapping/>
   </p:clrMapOvr>
+  <p:timing>
+    <p:tnLst>
+      <p:par>
+        <p:cTn id="1" dur="indefinite" restart="never" nodeType="tmRoot"/>
+      </p:par>
+    </p:tnLst>
+  </p:timing>
 </p:sldLayout>
 </file>
 
@@ -2423,15 +2430,15 @@
         </p:nvSpPr>
         <p:spPr>
           <a:xfrm>
-            <a:off x="457200" y="273050"/>
-            <a:ext cx="3008313" cy="1162050"/>
+            <a:off x="640083" y="382270"/>
+            <a:ext cx="4211638" cy="1626870"/>
           </a:xfrm>
         </p:spPr>
         <p:txBody>
           <a:bodyPr anchor="b"/>
           <a:lstStyle>
             <a:lvl1pPr algn="l">
-              <a:defRPr sz="2000" b="1"/>
+              <a:defRPr sz="2100" b="1"/>
             </a:lvl1pPr>
           </a:lstStyle>
           <a:p>
@@ -2454,39 +2461,39 @@
         </p:nvSpPr>
         <p:spPr>
           <a:xfrm>
-            <a:off x="3575050" y="273050"/>
-            <a:ext cx="5111750" cy="5853113"/>
+            <a:off x="5005071" y="382271"/>
+            <a:ext cx="7156450" cy="8194358"/>
           </a:xfrm>
         </p:spPr>
         <p:txBody>
           <a:bodyPr/>
           <a:lstStyle>
             <a:lvl1pPr>
-              <a:defRPr sz="3200"/>
+              <a:defRPr sz="3360"/>
             </a:lvl1pPr>
             <a:lvl2pPr>
-              <a:defRPr sz="2800"/>
+              <a:defRPr sz="2940"/>
             </a:lvl2pPr>
             <a:lvl3pPr>
-              <a:defRPr sz="2400"/>
+              <a:defRPr sz="2520"/>
             </a:lvl3pPr>
             <a:lvl4pPr>
-              <a:defRPr sz="2000"/>
+              <a:defRPr sz="2100"/>
             </a:lvl4pPr>
             <a:lvl5pPr>
-              <a:defRPr sz="2000"/>
+              <a:defRPr sz="2100"/>
             </a:lvl5pPr>
             <a:lvl6pPr>
-              <a:defRPr sz="2000"/>
+              <a:defRPr sz="2100"/>
             </a:lvl6pPr>
             <a:lvl7pPr>
-              <a:defRPr sz="2000"/>
+              <a:defRPr sz="2100"/>
             </a:lvl7pPr>
             <a:lvl8pPr>
-              <a:defRPr sz="2000"/>
+              <a:defRPr sz="2100"/>
             </a:lvl8pPr>
             <a:lvl9pPr>
-              <a:defRPr sz="2000"/>
+              <a:defRPr sz="2100"/>
             </a:lvl9pPr>
           </a:lstStyle>
           <a:p>
@@ -2538,8 +2545,8 @@
         </p:nvSpPr>
         <p:spPr>
           <a:xfrm>
-            <a:off x="457200" y="1435100"/>
-            <a:ext cx="3008313" cy="4691063"/>
+            <a:off x="640083" y="2009141"/>
+            <a:ext cx="4211638" cy="6567488"/>
           </a:xfrm>
         </p:spPr>
         <p:txBody>
@@ -2547,39 +2554,39 @@
           <a:lstStyle>
             <a:lvl1pPr marL="0" indent="0">
               <a:buNone/>
-              <a:defRPr sz="1400"/>
+              <a:defRPr sz="1470"/>
             </a:lvl1pPr>
-            <a:lvl2pPr marL="457200" indent="0">
+            <a:lvl2pPr marL="480048" indent="0">
               <a:buNone/>
-              <a:defRPr sz="1200"/>
+              <a:defRPr sz="1260"/>
             </a:lvl2pPr>
-            <a:lvl3pPr marL="914400" indent="0">
+            <a:lvl3pPr marL="960096" indent="0">
               <a:buNone/>
-              <a:defRPr sz="1000"/>
+              <a:defRPr sz="1050"/>
             </a:lvl3pPr>
-            <a:lvl4pPr marL="1371600" indent="0">
+            <a:lvl4pPr marL="1440144" indent="0">
               <a:buNone/>
-              <a:defRPr sz="900"/>
+              <a:defRPr sz="945"/>
             </a:lvl4pPr>
-            <a:lvl5pPr marL="1828800" indent="0">
+            <a:lvl5pPr marL="1920192" indent="0">
               <a:buNone/>
-              <a:defRPr sz="900"/>
+              <a:defRPr sz="945"/>
             </a:lvl5pPr>
-            <a:lvl6pPr marL="2286000" indent="0">
+            <a:lvl6pPr marL="2400240" indent="0">
               <a:buNone/>
-              <a:defRPr sz="900"/>
+              <a:defRPr sz="945"/>
             </a:lvl6pPr>
-            <a:lvl7pPr marL="2743200" indent="0">
+            <a:lvl7pPr marL="2880288" indent="0">
               <a:buNone/>
-              <a:defRPr sz="900"/>
+              <a:defRPr sz="945"/>
             </a:lvl7pPr>
-            <a:lvl8pPr marL="3200400" indent="0">
+            <a:lvl8pPr marL="3360336" indent="0">
               <a:buNone/>
-              <a:defRPr sz="900"/>
+              <a:defRPr sz="945"/>
             </a:lvl8pPr>
-            <a:lvl9pPr marL="3657600" indent="0">
+            <a:lvl9pPr marL="3840384" indent="0">
               <a:buNone/>
-              <a:defRPr sz="900"/>
+              <a:defRPr sz="945"/>
             </a:lvl9pPr>
           </a:lstStyle>
           <a:p>
@@ -2608,7 +2615,7 @@
           <a:p>
             <a:fld id="{78C97017-6FC3-485B-9764-EAC9E56C1D49}" type="datetimeFigureOut">
               <a:rPr lang="en-US" smtClean="0"/>
-              <a:t>7/6/2018</a:t>
+              <a:t>10/17/2018</a:t>
             </a:fld>
             <a:endParaRPr lang="en-US"/>
           </a:p>
@@ -2698,15 +2705,15 @@
         </p:nvSpPr>
         <p:spPr>
           <a:xfrm>
-            <a:off x="1792288" y="4800600"/>
-            <a:ext cx="5486400" cy="566738"/>
+            <a:off x="2509203" y="6720844"/>
+            <a:ext cx="7680960" cy="793433"/>
           </a:xfrm>
         </p:spPr>
         <p:txBody>
           <a:bodyPr anchor="b"/>
           <a:lstStyle>
             <a:lvl1pPr algn="l">
-              <a:defRPr sz="2000" b="1"/>
+              <a:defRPr sz="2100" b="1"/>
             </a:lvl1pPr>
           </a:lstStyle>
           <a:p>
@@ -2729,8 +2736,8 @@
         </p:nvSpPr>
         <p:spPr>
           <a:xfrm>
-            <a:off x="1792288" y="612775"/>
-            <a:ext cx="5486400" cy="4114800"/>
+            <a:off x="2509203" y="857885"/>
+            <a:ext cx="7680960" cy="5760720"/>
           </a:xfrm>
         </p:spPr>
         <p:txBody>
@@ -2738,39 +2745,39 @@
           <a:lstStyle>
             <a:lvl1pPr marL="0" indent="0">
               <a:buNone/>
-              <a:defRPr sz="3200"/>
+              <a:defRPr sz="3360"/>
             </a:lvl1pPr>
-            <a:lvl2pPr marL="457200" indent="0">
+            <a:lvl2pPr marL="480048" indent="0">
               <a:buNone/>
-              <a:defRPr sz="2800"/>
+              <a:defRPr sz="2940"/>
             </a:lvl2pPr>
-            <a:lvl3pPr marL="914400" indent="0">
+            <a:lvl3pPr marL="960096" indent="0">
               <a:buNone/>
-              <a:defRPr sz="2400"/>
+              <a:defRPr sz="2520"/>
             </a:lvl3pPr>
-            <a:lvl4pPr marL="1371600" indent="0">
+            <a:lvl4pPr marL="1440144" indent="0">
               <a:buNone/>
-              <a:defRPr sz="2000"/>
+              <a:defRPr sz="2100"/>
             </a:lvl4pPr>
-            <a:lvl5pPr marL="1828800" indent="0">
+            <a:lvl5pPr marL="1920192" indent="0">
               <a:buNone/>
-              <a:defRPr sz="2000"/>
+              <a:defRPr sz="2100"/>
             </a:lvl5pPr>
-            <a:lvl6pPr marL="2286000" indent="0">
+            <a:lvl6pPr marL="2400240" indent="0">
               <a:buNone/>
-              <a:defRPr sz="2000"/>
+              <a:defRPr sz="2100"/>
             </a:lvl6pPr>
-            <a:lvl7pPr marL="2743200" indent="0">
+            <a:lvl7pPr marL="2880288" indent="0">
               <a:buNone/>
-              <a:defRPr sz="2000"/>
+              <a:defRPr sz="2100"/>
             </a:lvl7pPr>
-            <a:lvl8pPr marL="3200400" indent="0">
+            <a:lvl8pPr marL="3360336" indent="0">
               <a:buNone/>
-              <a:defRPr sz="2000"/>
+              <a:defRPr sz="2100"/>
             </a:lvl8pPr>
-            <a:lvl9pPr marL="3657600" indent="0">
+            <a:lvl9pPr marL="3840384" indent="0">
               <a:buNone/>
-              <a:defRPr sz="2000"/>
+              <a:defRPr sz="2100"/>
             </a:lvl9pPr>
           </a:lstStyle>
           <a:p>
@@ -2790,8 +2797,8 @@
         </p:nvSpPr>
         <p:spPr>
           <a:xfrm>
-            <a:off x="1792288" y="5367338"/>
-            <a:ext cx="5486400" cy="804862"/>
+            <a:off x="2509203" y="7514277"/>
+            <a:ext cx="7680960" cy="1126807"/>
           </a:xfrm>
         </p:spPr>
         <p:txBody>
@@ -2799,39 +2806,39 @@
           <a:lstStyle>
             <a:lvl1pPr marL="0" indent="0">
               <a:buNone/>
-              <a:defRPr sz="1400"/>
+              <a:defRPr sz="1470"/>
             </a:lvl1pPr>
-            <a:lvl2pPr marL="457200" indent="0">
+            <a:lvl2pPr marL="480048" indent="0">
               <a:buNone/>
-              <a:defRPr sz="1200"/>
+              <a:defRPr sz="1260"/>
             </a:lvl2pPr>
-            <a:lvl3pPr marL="914400" indent="0">
+            <a:lvl3pPr marL="960096" indent="0">
               <a:buNone/>
-              <a:defRPr sz="1000"/>
+              <a:defRPr sz="1050"/>
             </a:lvl3pPr>
-            <a:lvl4pPr marL="1371600" indent="0">
+            <a:lvl4pPr marL="1440144" indent="0">
               <a:buNone/>
-              <a:defRPr sz="900"/>
+              <a:defRPr sz="945"/>
             </a:lvl4pPr>
-            <a:lvl5pPr marL="1828800" indent="0">
+            <a:lvl5pPr marL="1920192" indent="0">
               <a:buNone/>
-              <a:defRPr sz="900"/>
+              <a:defRPr sz="945"/>
             </a:lvl5pPr>
-            <a:lvl6pPr marL="2286000" indent="0">
+            <a:lvl6pPr marL="2400240" indent="0">
               <a:buNone/>
-              <a:defRPr sz="900"/>
+              <a:defRPr sz="945"/>
             </a:lvl6pPr>
-            <a:lvl7pPr marL="2743200" indent="0">
+            <a:lvl7pPr marL="2880288" indent="0">
               <a:buNone/>
-              <a:defRPr sz="900"/>
+              <a:defRPr sz="945"/>
             </a:lvl7pPr>
-            <a:lvl8pPr marL="3200400" indent="0">
+            <a:lvl8pPr marL="3360336" indent="0">
               <a:buNone/>
-              <a:defRPr sz="900"/>
+              <a:defRPr sz="945"/>
             </a:lvl8pPr>
-            <a:lvl9pPr marL="3657600" indent="0">
+            <a:lvl9pPr marL="3840384" indent="0">
               <a:buNone/>
-              <a:defRPr sz="900"/>
+              <a:defRPr sz="945"/>
             </a:lvl9pPr>
           </a:lstStyle>
           <a:p>
@@ -2860,7 +2867,7 @@
           <a:p>
             <a:fld id="{78C97017-6FC3-485B-9764-EAC9E56C1D49}" type="datetimeFigureOut">
               <a:rPr lang="en-US" smtClean="0"/>
-              <a:t>7/6/2018</a:t>
+              <a:t>10/17/2018</a:t>
             </a:fld>
             <a:endParaRPr lang="en-US"/>
           </a:p>
@@ -2955,8 +2962,8 @@
         </p:nvSpPr>
         <p:spPr>
           <a:xfrm>
-            <a:off x="457200" y="274638"/>
-            <a:ext cx="8229600" cy="1143000"/>
+            <a:off x="640080" y="384493"/>
+            <a:ext cx="11521440" cy="1600200"/>
           </a:xfrm>
           <a:prstGeom prst="rect">
             <a:avLst/>
@@ -2987,8 +2994,8 @@
         </p:nvSpPr>
         <p:spPr>
           <a:xfrm>
-            <a:off x="457200" y="1600200"/>
-            <a:ext cx="8229600" cy="4525963"/>
+            <a:off x="640080" y="2240281"/>
+            <a:ext cx="11521440" cy="6336348"/>
           </a:xfrm>
           <a:prstGeom prst="rect">
             <a:avLst/>
@@ -3048,8 +3055,8 @@
         </p:nvSpPr>
         <p:spPr>
           <a:xfrm>
-            <a:off x="457200" y="6356350"/>
-            <a:ext cx="2133600" cy="365125"/>
+            <a:off x="640080" y="8898895"/>
+            <a:ext cx="2987040" cy="511175"/>
           </a:xfrm>
           <a:prstGeom prst="rect">
             <a:avLst/>
@@ -3059,7 +3066,7 @@
           <a:bodyPr vert="horz" lIns="91440" tIns="45720" rIns="91440" bIns="45720" rtlCol="0" anchor="ctr"/>
           <a:lstStyle>
             <a:lvl1pPr algn="l">
-              <a:defRPr sz="1200">
+              <a:defRPr sz="1260">
                 <a:solidFill>
                   <a:schemeClr val="tx1">
                     <a:tint val="75000"/>
@@ -3071,7 +3078,7 @@
           <a:p>
             <a:fld id="{78C97017-6FC3-485B-9764-EAC9E56C1D49}" type="datetimeFigureOut">
               <a:rPr lang="en-US" smtClean="0"/>
-              <a:t>7/6/2018</a:t>
+              <a:t>10/17/2018</a:t>
             </a:fld>
             <a:endParaRPr lang="en-US"/>
           </a:p>
@@ -3089,8 +3096,8 @@
         </p:nvSpPr>
         <p:spPr>
           <a:xfrm>
-            <a:off x="3124200" y="6356350"/>
-            <a:ext cx="2895600" cy="365125"/>
+            <a:off x="4373880" y="8898895"/>
+            <a:ext cx="4053840" cy="511175"/>
           </a:xfrm>
           <a:prstGeom prst="rect">
             <a:avLst/>
@@ -3100,7 +3107,7 @@
           <a:bodyPr vert="horz" lIns="91440" tIns="45720" rIns="91440" bIns="45720" rtlCol="0" anchor="ctr"/>
           <a:lstStyle>
             <a:lvl1pPr algn="ctr">
-              <a:defRPr sz="1200">
+              <a:defRPr sz="1260">
                 <a:solidFill>
                   <a:schemeClr val="tx1">
                     <a:tint val="75000"/>
@@ -3126,8 +3133,8 @@
         </p:nvSpPr>
         <p:spPr>
           <a:xfrm>
-            <a:off x="6553200" y="6356350"/>
-            <a:ext cx="2133600" cy="365125"/>
+            <a:off x="9174480" y="8898895"/>
+            <a:ext cx="2987040" cy="511175"/>
           </a:xfrm>
           <a:prstGeom prst="rect">
             <a:avLst/>
@@ -3137,7 +3144,7 @@
           <a:bodyPr vert="horz" lIns="91440" tIns="45720" rIns="91440" bIns="45720" rtlCol="0" anchor="ctr"/>
           <a:lstStyle>
             <a:lvl1pPr algn="r">
-              <a:defRPr sz="1200">
+              <a:defRPr sz="1260">
                 <a:solidFill>
                   <a:schemeClr val="tx1">
                     <a:tint val="75000"/>
@@ -3178,12 +3185,12 @@
   </p:sldLayoutIdLst>
   <p:txStyles>
     <p:titleStyle>
-      <a:lvl1pPr algn="ctr" defTabSz="914400" rtl="0" eaLnBrk="1" latinLnBrk="0" hangingPunct="1">
+      <a:lvl1pPr algn="ctr" defTabSz="960096" rtl="0" eaLnBrk="1" latinLnBrk="0" hangingPunct="1">
         <a:spcBef>
           <a:spcPct val="0"/>
         </a:spcBef>
         <a:buNone/>
-        <a:defRPr sz="4400" kern="1200">
+        <a:defRPr sz="4620" kern="1200">
           <a:solidFill>
             <a:schemeClr val="tx1"/>
           </a:solidFill>
@@ -3194,13 +3201,13 @@
       </a:lvl1pPr>
     </p:titleStyle>
     <p:bodyStyle>
-      <a:lvl1pPr marL="342900" indent="-342900" algn="l" defTabSz="914400" rtl="0" eaLnBrk="1" latinLnBrk="0" hangingPunct="1">
+      <a:lvl1pPr marL="360036" indent="-360036" algn="l" defTabSz="960096" rtl="0" eaLnBrk="1" latinLnBrk="0" hangingPunct="1">
         <a:spcBef>
           <a:spcPct val="20000"/>
         </a:spcBef>
         <a:buFont typeface="Arial" panose="020B0604020202020204" pitchFamily="34" charset="0"/>
         <a:buChar char="•"/>
-        <a:defRPr sz="3200" kern="1200">
+        <a:defRPr sz="3360" kern="1200">
           <a:solidFill>
             <a:schemeClr val="tx1"/>
           </a:solidFill>
@@ -3209,13 +3216,13 @@
           <a:cs typeface="+mn-cs"/>
         </a:defRPr>
       </a:lvl1pPr>
-      <a:lvl2pPr marL="742950" indent="-285750" algn="l" defTabSz="914400" rtl="0" eaLnBrk="1" latinLnBrk="0" hangingPunct="1">
+      <a:lvl2pPr marL="780078" indent="-300030" algn="l" defTabSz="960096" rtl="0" eaLnBrk="1" latinLnBrk="0" hangingPunct="1">
         <a:spcBef>
           <a:spcPct val="20000"/>
         </a:spcBef>
         <a:buFont typeface="Arial" panose="020B0604020202020204" pitchFamily="34" charset="0"/>
         <a:buChar char="–"/>
-        <a:defRPr sz="2800" kern="1200">
+        <a:defRPr sz="2940" kern="1200">
           <a:solidFill>
             <a:schemeClr val="tx1"/>
           </a:solidFill>
@@ -3224,13 +3231,13 @@
           <a:cs typeface="+mn-cs"/>
         </a:defRPr>
       </a:lvl2pPr>
-      <a:lvl3pPr marL="1143000" indent="-228600" algn="l" defTabSz="914400" rtl="0" eaLnBrk="1" latinLnBrk="0" hangingPunct="1">
+      <a:lvl3pPr marL="1200120" indent="-240024" algn="l" defTabSz="960096" rtl="0" eaLnBrk="1" latinLnBrk="0" hangingPunct="1">
         <a:spcBef>
           <a:spcPct val="20000"/>
         </a:spcBef>
         <a:buFont typeface="Arial" panose="020B0604020202020204" pitchFamily="34" charset="0"/>
         <a:buChar char="•"/>
-        <a:defRPr sz="2400" kern="1200">
+        <a:defRPr sz="2520" kern="1200">
           <a:solidFill>
             <a:schemeClr val="tx1"/>
           </a:solidFill>
@@ -3239,13 +3246,13 @@
           <a:cs typeface="+mn-cs"/>
         </a:defRPr>
       </a:lvl3pPr>
-      <a:lvl4pPr marL="1600200" indent="-228600" algn="l" defTabSz="914400" rtl="0" eaLnBrk="1" latinLnBrk="0" hangingPunct="1">
+      <a:lvl4pPr marL="1680168" indent="-240024" algn="l" defTabSz="960096" rtl="0" eaLnBrk="1" latinLnBrk="0" hangingPunct="1">
         <a:spcBef>
           <a:spcPct val="20000"/>
         </a:spcBef>
         <a:buFont typeface="Arial" panose="020B0604020202020204" pitchFamily="34" charset="0"/>
         <a:buChar char="–"/>
-        <a:defRPr sz="2000" kern="1200">
+        <a:defRPr sz="2100" kern="1200">
           <a:solidFill>
             <a:schemeClr val="tx1"/>
           </a:solidFill>
@@ -3254,13 +3261,13 @@
           <a:cs typeface="+mn-cs"/>
         </a:defRPr>
       </a:lvl4pPr>
-      <a:lvl5pPr marL="2057400" indent="-228600" algn="l" defTabSz="914400" rtl="0" eaLnBrk="1" latinLnBrk="0" hangingPunct="1">
+      <a:lvl5pPr marL="2160216" indent="-240024" algn="l" defTabSz="960096" rtl="0" eaLnBrk="1" latinLnBrk="0" hangingPunct="1">
         <a:spcBef>
           <a:spcPct val="20000"/>
         </a:spcBef>
         <a:buFont typeface="Arial" panose="020B0604020202020204" pitchFamily="34" charset="0"/>
         <a:buChar char="»"/>
-        <a:defRPr sz="2000" kern="1200">
+        <a:defRPr sz="2100" kern="1200">
           <a:solidFill>
             <a:schemeClr val="tx1"/>
           </a:solidFill>
@@ -3269,13 +3276,13 @@
           <a:cs typeface="+mn-cs"/>
         </a:defRPr>
       </a:lvl5pPr>
-      <a:lvl6pPr marL="2514600" indent="-228600" algn="l" defTabSz="914400" rtl="0" eaLnBrk="1" latinLnBrk="0" hangingPunct="1">
+      <a:lvl6pPr marL="2640264" indent="-240024" algn="l" defTabSz="960096" rtl="0" eaLnBrk="1" latinLnBrk="0" hangingPunct="1">
         <a:spcBef>
           <a:spcPct val="20000"/>
         </a:spcBef>
         <a:buFont typeface="Arial" panose="020B0604020202020204" pitchFamily="34" charset="0"/>
         <a:buChar char="•"/>
-        <a:defRPr sz="2000" kern="1200">
+        <a:defRPr sz="2100" kern="1200">
           <a:solidFill>
             <a:schemeClr val="tx1"/>
           </a:solidFill>
@@ -3284,13 +3291,13 @@
           <a:cs typeface="+mn-cs"/>
         </a:defRPr>
       </a:lvl6pPr>
-      <a:lvl7pPr marL="2971800" indent="-228600" algn="l" defTabSz="914400" rtl="0" eaLnBrk="1" latinLnBrk="0" hangingPunct="1">
+      <a:lvl7pPr marL="3120312" indent="-240024" algn="l" defTabSz="960096" rtl="0" eaLnBrk="1" latinLnBrk="0" hangingPunct="1">
         <a:spcBef>
           <a:spcPct val="20000"/>
         </a:spcBef>
         <a:buFont typeface="Arial" panose="020B0604020202020204" pitchFamily="34" charset="0"/>
         <a:buChar char="•"/>
-        <a:defRPr sz="2000" kern="1200">
+        <a:defRPr sz="2100" kern="1200">
           <a:solidFill>
             <a:schemeClr val="tx1"/>
           </a:solidFill>
@@ -3299,13 +3306,13 @@
           <a:cs typeface="+mn-cs"/>
         </a:defRPr>
       </a:lvl7pPr>
-      <a:lvl8pPr marL="3429000" indent="-228600" algn="l" defTabSz="914400" rtl="0" eaLnBrk="1" latinLnBrk="0" hangingPunct="1">
+      <a:lvl8pPr marL="3600360" indent="-240024" algn="l" defTabSz="960096" rtl="0" eaLnBrk="1" latinLnBrk="0" hangingPunct="1">
         <a:spcBef>
           <a:spcPct val="20000"/>
         </a:spcBef>
         <a:buFont typeface="Arial" panose="020B0604020202020204" pitchFamily="34" charset="0"/>
         <a:buChar char="•"/>
-        <a:defRPr sz="2000" kern="1200">
+        <a:defRPr sz="2100" kern="1200">
           <a:solidFill>
             <a:schemeClr val="tx1"/>
           </a:solidFill>
@@ -3314,13 +3321,13 @@
           <a:cs typeface="+mn-cs"/>
         </a:defRPr>
       </a:lvl8pPr>
-      <a:lvl9pPr marL="3886200" indent="-228600" algn="l" defTabSz="914400" rtl="0" eaLnBrk="1" latinLnBrk="0" hangingPunct="1">
+      <a:lvl9pPr marL="4080408" indent="-240024" algn="l" defTabSz="960096" rtl="0" eaLnBrk="1" latinLnBrk="0" hangingPunct="1">
         <a:spcBef>
           <a:spcPct val="20000"/>
         </a:spcBef>
         <a:buFont typeface="Arial" panose="020B0604020202020204" pitchFamily="34" charset="0"/>
         <a:buChar char="•"/>
-        <a:defRPr sz="2000" kern="1200">
+        <a:defRPr sz="2100" kern="1200">
           <a:solidFill>
             <a:schemeClr val="tx1"/>
           </a:solidFill>
@@ -3334,8 +3341,8 @@
       <a:defPPr>
         <a:defRPr lang="en-US"/>
       </a:defPPr>
-      <a:lvl1pPr marL="0" algn="l" defTabSz="914400" rtl="0" eaLnBrk="1" latinLnBrk="0" hangingPunct="1">
-        <a:defRPr sz="1800" kern="1200">
+      <a:lvl1pPr marL="0" algn="l" defTabSz="960096" rtl="0" eaLnBrk="1" latinLnBrk="0" hangingPunct="1">
+        <a:defRPr sz="1890" kern="1200">
           <a:solidFill>
             <a:schemeClr val="tx1"/>
           </a:solidFill>
@@ -3344,8 +3351,8 @@
           <a:cs typeface="+mn-cs"/>
         </a:defRPr>
       </a:lvl1pPr>
-      <a:lvl2pPr marL="457200" algn="l" defTabSz="914400" rtl="0" eaLnBrk="1" latinLnBrk="0" hangingPunct="1">
-        <a:defRPr sz="1800" kern="1200">
+      <a:lvl2pPr marL="480048" algn="l" defTabSz="960096" rtl="0" eaLnBrk="1" latinLnBrk="0" hangingPunct="1">
+        <a:defRPr sz="1890" kern="1200">
           <a:solidFill>
             <a:schemeClr val="tx1"/>
           </a:solidFill>
@@ -3354,8 +3361,8 @@
           <a:cs typeface="+mn-cs"/>
         </a:defRPr>
       </a:lvl2pPr>
-      <a:lvl3pPr marL="914400" algn="l" defTabSz="914400" rtl="0" eaLnBrk="1" latinLnBrk="0" hangingPunct="1">
-        <a:defRPr sz="1800" kern="1200">
+      <a:lvl3pPr marL="960096" algn="l" defTabSz="960096" rtl="0" eaLnBrk="1" latinLnBrk="0" hangingPunct="1">
+        <a:defRPr sz="1890" kern="1200">
           <a:solidFill>
             <a:schemeClr val="tx1"/>
           </a:solidFill>
@@ -3364,8 +3371,8 @@
           <a:cs typeface="+mn-cs"/>
         </a:defRPr>
       </a:lvl3pPr>
-      <a:lvl4pPr marL="1371600" algn="l" defTabSz="914400" rtl="0" eaLnBrk="1" latinLnBrk="0" hangingPunct="1">
-        <a:defRPr sz="1800" kern="1200">
+      <a:lvl4pPr marL="1440144" algn="l" defTabSz="960096" rtl="0" eaLnBrk="1" latinLnBrk="0" hangingPunct="1">
+        <a:defRPr sz="1890" kern="1200">
           <a:solidFill>
             <a:schemeClr val="tx1"/>
           </a:solidFill>
@@ -3374,8 +3381,8 @@
           <a:cs typeface="+mn-cs"/>
         </a:defRPr>
       </a:lvl4pPr>
-      <a:lvl5pPr marL="1828800" algn="l" defTabSz="914400" rtl="0" eaLnBrk="1" latinLnBrk="0" hangingPunct="1">
-        <a:defRPr sz="1800" kern="1200">
+      <a:lvl5pPr marL="1920192" algn="l" defTabSz="960096" rtl="0" eaLnBrk="1" latinLnBrk="0" hangingPunct="1">
+        <a:defRPr sz="1890" kern="1200">
           <a:solidFill>
             <a:schemeClr val="tx1"/>
           </a:solidFill>
@@ -3384,8 +3391,8 @@
           <a:cs typeface="+mn-cs"/>
         </a:defRPr>
       </a:lvl5pPr>
-      <a:lvl6pPr marL="2286000" algn="l" defTabSz="914400" rtl="0" eaLnBrk="1" latinLnBrk="0" hangingPunct="1">
-        <a:defRPr sz="1800" kern="1200">
+      <a:lvl6pPr marL="2400240" algn="l" defTabSz="960096" rtl="0" eaLnBrk="1" latinLnBrk="0" hangingPunct="1">
+        <a:defRPr sz="1890" kern="1200">
           <a:solidFill>
             <a:schemeClr val="tx1"/>
           </a:solidFill>
@@ -3394,8 +3401,8 @@
           <a:cs typeface="+mn-cs"/>
         </a:defRPr>
       </a:lvl6pPr>
-      <a:lvl7pPr marL="2743200" algn="l" defTabSz="914400" rtl="0" eaLnBrk="1" latinLnBrk="0" hangingPunct="1">
-        <a:defRPr sz="1800" kern="1200">
+      <a:lvl7pPr marL="2880288" algn="l" defTabSz="960096" rtl="0" eaLnBrk="1" latinLnBrk="0" hangingPunct="1">
+        <a:defRPr sz="1890" kern="1200">
           <a:solidFill>
             <a:schemeClr val="tx1"/>
           </a:solidFill>
@@ -3404,8 +3411,8 @@
           <a:cs typeface="+mn-cs"/>
         </a:defRPr>
       </a:lvl7pPr>
-      <a:lvl8pPr marL="3200400" algn="l" defTabSz="914400" rtl="0" eaLnBrk="1" latinLnBrk="0" hangingPunct="1">
-        <a:defRPr sz="1800" kern="1200">
+      <a:lvl8pPr marL="3360336" algn="l" defTabSz="960096" rtl="0" eaLnBrk="1" latinLnBrk="0" hangingPunct="1">
+        <a:defRPr sz="1890" kern="1200">
           <a:solidFill>
             <a:schemeClr val="tx1"/>
           </a:solidFill>
@@ -3414,8 +3421,8 @@
           <a:cs typeface="+mn-cs"/>
         </a:defRPr>
       </a:lvl8pPr>
-      <a:lvl9pPr marL="3657600" algn="l" defTabSz="914400" rtl="0" eaLnBrk="1" latinLnBrk="0" hangingPunct="1">
-        <a:defRPr sz="1800" kern="1200">
+      <a:lvl9pPr marL="3840384" algn="l" defTabSz="960096" rtl="0" eaLnBrk="1" latinLnBrk="0" hangingPunct="1">
+        <a:defRPr sz="1890" kern="1200">
           <a:solidFill>
             <a:schemeClr val="tx1"/>
           </a:solidFill>
@@ -3448,28 +3455,25 @@
       </p:grpSpPr>
       <p:sp>
         <p:nvSpPr>
-          <p:cNvPr id="56" name="Rectangle 65"/>
+          <p:cNvPr id="2" name="Rectangle 62"/>
           <p:cNvSpPr/>
           <p:nvPr/>
         </p:nvSpPr>
         <p:spPr>
           <a:xfrm>
-            <a:off x="6459374" y="118895"/>
-            <a:ext cx="3903825" cy="4400926"/>
-          </a:xfrm>
-          <a:prstGeom prst="roundRect">
-            <a:avLst>
-              <a:gd name="adj" fmla="val 3484"/>
-            </a:avLst>
+            <a:off x="1377120" y="732852"/>
+            <a:ext cx="1528411" cy="279934"/>
+          </a:xfrm>
+          <a:prstGeom prst="rect">
+            <a:avLst/>
           </a:prstGeom>
           <a:solidFill>
-            <a:schemeClr val="accent4">
-              <a:lumMod val="20000"/>
-              <a:lumOff val="80000"/>
-            </a:schemeClr>
+            <a:srgbClr val="0070C0"/>
           </a:solidFill>
           <a:ln w="19050">
-            <a:noFill/>
+            <a:solidFill>
+              <a:srgbClr val="0070C0"/>
+            </a:solidFill>
           </a:ln>
           <a:effectLst/>
         </p:spPr>
@@ -3488,49 +3492,141 @@
           </a:fontRef>
         </p:style>
         <p:txBody>
-          <a:bodyPr rtlCol="0" anchor="t"/>
-          <a:lstStyle/>
-          <a:p>
-            <a:r>
-              <a:rPr lang="en-US" sz="1200" b="1" dirty="0">
+          <a:bodyPr rtlCol="0" anchor="ctr"/>
+          <a:lstStyle/>
+          <a:p>
+            <a:pPr algn="ctr"/>
+            <a:r>
+              <a:rPr lang="en-US" sz="1500" dirty="0">
                 <a:solidFill>
-                  <a:srgbClr val="7030A0"/>
+                  <a:schemeClr val="bg1"/>
                 </a:solidFill>
               </a:rPr>
-              <a:t>Model</a:t>
-            </a:r>
-            <a:endParaRPr lang="en-SG" sz="1200" b="1" dirty="0">
+              <a:t>:</a:t>
+            </a:r>
+            <a:r>
+              <a:rPr lang="en-US" sz="1500" dirty="0" err="1">
+                <a:solidFill>
+                  <a:schemeClr val="bg1"/>
+                </a:solidFill>
+              </a:rPr>
+              <a:t>LogicManager</a:t>
+            </a:r>
+            <a:endParaRPr lang="en-SG" sz="1500" dirty="0">
               <a:solidFill>
-                <a:srgbClr val="7030A0"/>
+                <a:schemeClr val="bg1"/>
               </a:solidFill>
             </a:endParaRPr>
           </a:p>
         </p:txBody>
       </p:sp>
-      <p:sp>
-        <p:nvSpPr>
-          <p:cNvPr id="81" name="Rectangle 65"/>
+      <p:cxnSp>
+        <p:nvCxnSpPr>
+          <p:cNvPr id="5" name="Straight Connector 4"/>
+          <p:cNvCxnSpPr>
+            <a:cxnSpLocks/>
+          </p:cNvCxnSpPr>
+          <p:nvPr/>
+        </p:nvCxnSpPr>
+        <p:spPr>
+          <a:xfrm flipH="1">
+            <a:off x="2133600" y="1012786"/>
+            <a:ext cx="7726" cy="7750214"/>
+          </a:xfrm>
+          <a:prstGeom prst="line">
+            <a:avLst/>
+          </a:prstGeom>
+          <a:ln w="19050">
+            <a:solidFill>
+              <a:srgbClr val="0070C0"/>
+            </a:solidFill>
+            <a:prstDash val="sysDash"/>
+          </a:ln>
+          <a:effectLst/>
+        </p:spPr>
+        <p:style>
+          <a:lnRef idx="1">
+            <a:schemeClr val="accent1"/>
+          </a:lnRef>
+          <a:fillRef idx="2">
+            <a:schemeClr val="accent1"/>
+          </a:fillRef>
+          <a:effectRef idx="1">
+            <a:schemeClr val="accent1"/>
+          </a:effectRef>
+          <a:fontRef idx="minor">
+            <a:schemeClr val="dk1"/>
+          </a:fontRef>
+        </p:style>
+      </p:cxnSp>
+      <p:sp>
+        <p:nvSpPr>
+          <p:cNvPr id="6" name="Rectangle 5"/>
           <p:cNvSpPr/>
           <p:nvPr/>
         </p:nvSpPr>
         <p:spPr>
           <a:xfrm>
-            <a:off x="467813" y="163018"/>
-            <a:ext cx="5863964" cy="4343400"/>
-          </a:xfrm>
-          <a:prstGeom prst="roundRect">
-            <a:avLst>
-              <a:gd name="adj" fmla="val 3484"/>
-            </a:avLst>
+            <a:off x="2041158" y="1619250"/>
+            <a:ext cx="184137" cy="6610352"/>
+          </a:xfrm>
+          <a:prstGeom prst="rect">
+            <a:avLst/>
           </a:prstGeom>
           <a:solidFill>
-            <a:schemeClr val="accent1">
-              <a:lumMod val="20000"/>
-              <a:lumOff val="80000"/>
-            </a:schemeClr>
+            <a:srgbClr val="0070C0"/>
+          </a:solidFill>
+          <a:ln>
+            <a:solidFill>
+              <a:srgbClr val="0070C0"/>
+            </a:solidFill>
+          </a:ln>
+          <a:effectLst/>
+        </p:spPr>
+        <p:style>
+          <a:lnRef idx="1">
+            <a:schemeClr val="accent3"/>
+          </a:lnRef>
+          <a:fillRef idx="2">
+            <a:schemeClr val="accent3"/>
+          </a:fillRef>
+          <a:effectRef idx="1">
+            <a:schemeClr val="accent3"/>
+          </a:effectRef>
+          <a:fontRef idx="minor">
+            <a:schemeClr val="dk1"/>
+          </a:fontRef>
+        </p:style>
+        <p:txBody>
+          <a:bodyPr rtlCol="0" anchor="ctr"/>
+          <a:lstStyle/>
+          <a:p>
+            <a:pPr algn="ctr"/>
+            <a:endParaRPr lang="en-SG" sz="1470"/>
+          </a:p>
+        </p:txBody>
+      </p:sp>
+      <p:sp>
+        <p:nvSpPr>
+          <p:cNvPr id="16" name="Rectangle 62"/>
+          <p:cNvSpPr/>
+          <p:nvPr/>
+        </p:nvSpPr>
+        <p:spPr>
+          <a:xfrm>
+            <a:off x="3406197" y="732852"/>
+            <a:ext cx="1796814" cy="279934"/>
+          </a:xfrm>
+          <a:prstGeom prst="rect">
+            <a:avLst/>
+          </a:prstGeom>
+          <a:solidFill>
+            <a:srgbClr val="0070C0"/>
           </a:solidFill>
           <a:ln w="19050">
-            <a:noFill/>
+            <a:solidFill>
+              <a:srgbClr val="0070C0"/>
+            </a:solidFill>
           </a:ln>
           <a:effectLst/>
         </p:spPr>
@@ -3549,70 +3645,12 @@
           </a:fontRef>
         </p:style>
         <p:txBody>
-          <a:bodyPr rtlCol="0" anchor="t"/>
-          <a:lstStyle/>
-          <a:p>
-            <a:r>
-              <a:rPr lang="en-US" sz="1200" b="1" dirty="0">
-                <a:solidFill>
-                  <a:srgbClr val="0070C0"/>
-                </a:solidFill>
-              </a:rPr>
-              <a:t>Logic</a:t>
-            </a:r>
-            <a:endParaRPr lang="en-SG" sz="1200" b="1" dirty="0">
-              <a:solidFill>
-                <a:srgbClr val="0070C0"/>
-              </a:solidFill>
-            </a:endParaRPr>
-          </a:p>
-        </p:txBody>
-      </p:sp>
-      <p:sp>
-        <p:nvSpPr>
-          <p:cNvPr id="2" name="Rectangle 62"/>
-          <p:cNvSpPr/>
-          <p:nvPr/>
-        </p:nvSpPr>
-        <p:spPr>
-          <a:xfrm>
-            <a:off x="883145" y="543946"/>
-            <a:ext cx="1455629" cy="346760"/>
-          </a:xfrm>
-          <a:prstGeom prst="rect">
-            <a:avLst/>
-          </a:prstGeom>
-          <a:solidFill>
-            <a:srgbClr val="0070C0"/>
-          </a:solidFill>
-          <a:ln w="19050">
-            <a:solidFill>
-              <a:srgbClr val="0070C0"/>
-            </a:solidFill>
-          </a:ln>
-          <a:effectLst/>
-        </p:spPr>
-        <p:style>
-          <a:lnRef idx="1">
-            <a:schemeClr val="accent2"/>
-          </a:lnRef>
-          <a:fillRef idx="2">
-            <a:schemeClr val="accent2"/>
-          </a:fillRef>
-          <a:effectRef idx="1">
-            <a:schemeClr val="accent2"/>
-          </a:effectRef>
-          <a:fontRef idx="minor">
-            <a:schemeClr val="dk1"/>
-          </a:fontRef>
-        </p:style>
-        <p:txBody>
           <a:bodyPr rtlCol="0" anchor="ctr"/>
           <a:lstStyle/>
           <a:p>
             <a:pPr algn="ctr"/>
             <a:r>
-              <a:rPr lang="en-US" sz="1600" dirty="0">
+              <a:rPr lang="en-US" sz="1500" dirty="0">
                 <a:solidFill>
                   <a:schemeClr val="bg1"/>
                 </a:solidFill>
@@ -3620,14 +3658,14 @@
               <a:t>:</a:t>
             </a:r>
             <a:r>
-              <a:rPr lang="en-US" sz="1600" dirty="0" err="1">
+              <a:rPr lang="en-US" sz="1500" dirty="0" err="1">
                 <a:solidFill>
                   <a:schemeClr val="bg1"/>
                 </a:solidFill>
               </a:rPr>
-              <a:t>LogicManager</a:t>
-            </a:r>
-            <a:endParaRPr lang="en-SG" sz="1600" dirty="0">
+              <a:t>AddressBookParser</a:t>
+            </a:r>
+            <a:endParaRPr lang="en-SG" sz="1500" dirty="0">
               <a:solidFill>
                 <a:schemeClr val="bg1"/>
               </a:solidFill>
@@ -3637,16 +3675,17 @@
       </p:sp>
       <p:cxnSp>
         <p:nvCxnSpPr>
-          <p:cNvPr id="5" name="Straight Connector 4"/>
+          <p:cNvPr id="17" name="Straight Connector 16"/>
           <p:cNvCxnSpPr>
             <a:cxnSpLocks/>
+            <a:stCxn id="16" idx="2"/>
           </p:cNvCxnSpPr>
           <p:nvPr/>
         </p:nvCxnSpPr>
         <p:spPr>
           <a:xfrm>
-            <a:off x="1610959" y="907617"/>
-            <a:ext cx="0" cy="3481399"/>
+            <a:off x="4304604" y="1012785"/>
+            <a:ext cx="8268" cy="6150015"/>
           </a:xfrm>
           <a:prstGeom prst="line">
             <a:avLst/>
@@ -3676,14 +3715,14 @@
       </p:cxnSp>
       <p:sp>
         <p:nvSpPr>
-          <p:cNvPr id="6" name="Rectangle 5"/>
+          <p:cNvPr id="18" name="Rectangle 17"/>
           <p:cNvSpPr/>
           <p:nvPr/>
         </p:nvSpPr>
         <p:spPr>
           <a:xfrm>
-            <a:off x="1538951" y="1258311"/>
-            <a:ext cx="152400" cy="2932689"/>
+            <a:off x="4225079" y="1781175"/>
+            <a:ext cx="162128" cy="1895476"/>
           </a:xfrm>
           <a:prstGeom prst="rect">
             <a:avLst/>
@@ -3717,255 +3756,7 @@
           <a:lstStyle/>
           <a:p>
             <a:pPr algn="ctr"/>
-            <a:endParaRPr lang="en-SG" sz="1400"/>
-          </a:p>
-        </p:txBody>
-      </p:sp>
-      <p:sp>
-        <p:nvSpPr>
-          <p:cNvPr id="16" name="Rectangle 62"/>
-          <p:cNvSpPr/>
-          <p:nvPr/>
-        </p:nvSpPr>
-        <p:spPr>
-          <a:xfrm>
-            <a:off x="3437188" y="423022"/>
-            <a:ext cx="1219200" cy="467684"/>
-          </a:xfrm>
-          <a:prstGeom prst="rect">
-            <a:avLst/>
-          </a:prstGeom>
-          <a:solidFill>
-            <a:srgbClr val="0070C0"/>
-          </a:solidFill>
-          <a:ln w="19050">
-            <a:solidFill>
-              <a:srgbClr val="0070C0"/>
-            </a:solidFill>
-          </a:ln>
-          <a:effectLst/>
-        </p:spPr>
-        <p:style>
-          <a:lnRef idx="1">
-            <a:schemeClr val="accent2"/>
-          </a:lnRef>
-          <a:fillRef idx="2">
-            <a:schemeClr val="accent2"/>
-          </a:fillRef>
-          <a:effectRef idx="1">
-            <a:schemeClr val="accent2"/>
-          </a:effectRef>
-          <a:fontRef idx="minor">
-            <a:schemeClr val="dk1"/>
-          </a:fontRef>
-        </p:style>
-        <p:txBody>
-          <a:bodyPr rtlCol="0" anchor="ctr"/>
-          <a:lstStyle/>
-          <a:p>
-            <a:pPr algn="ctr"/>
-            <a:r>
-              <a:rPr lang="en-US" sz="1600" dirty="0">
-                <a:solidFill>
-                  <a:schemeClr val="bg1"/>
-                </a:solidFill>
-              </a:rPr>
-              <a:t>:Address</a:t>
-            </a:r>
-          </a:p>
-          <a:p>
-            <a:pPr algn="ctr"/>
-            <a:r>
-              <a:rPr lang="en-US" sz="1600" dirty="0" err="1">
-                <a:solidFill>
-                  <a:schemeClr val="bg1"/>
-                </a:solidFill>
-              </a:rPr>
-              <a:t>BookParser</a:t>
-            </a:r>
-            <a:endParaRPr lang="en-SG" sz="1600" dirty="0">
-              <a:solidFill>
-                <a:schemeClr val="bg1"/>
-              </a:solidFill>
-            </a:endParaRPr>
-          </a:p>
-        </p:txBody>
-      </p:sp>
-      <p:cxnSp>
-        <p:nvCxnSpPr>
-          <p:cNvPr id="17" name="Straight Connector 16"/>
-          <p:cNvCxnSpPr>
-            <a:cxnSpLocks/>
-          </p:cNvCxnSpPr>
-          <p:nvPr/>
-        </p:nvCxnSpPr>
-        <p:spPr>
-          <a:xfrm>
-            <a:off x="4050587" y="907617"/>
-            <a:ext cx="0" cy="1482984"/>
-          </a:xfrm>
-          <a:prstGeom prst="line">
-            <a:avLst/>
-          </a:prstGeom>
-          <a:ln w="19050">
-            <a:solidFill>
-              <a:srgbClr val="0070C0"/>
-            </a:solidFill>
-            <a:prstDash val="sysDash"/>
-          </a:ln>
-          <a:effectLst/>
-        </p:spPr>
-        <p:style>
-          <a:lnRef idx="1">
-            <a:schemeClr val="accent1"/>
-          </a:lnRef>
-          <a:fillRef idx="2">
-            <a:schemeClr val="accent1"/>
-          </a:fillRef>
-          <a:effectRef idx="1">
-            <a:schemeClr val="accent1"/>
-          </a:effectRef>
-          <a:fontRef idx="minor">
-            <a:schemeClr val="dk1"/>
-          </a:fontRef>
-        </p:style>
-      </p:cxnSp>
-      <p:sp>
-        <p:nvSpPr>
-          <p:cNvPr id="18" name="Rectangle 17"/>
-          <p:cNvSpPr/>
-          <p:nvPr/>
-        </p:nvSpPr>
-        <p:spPr>
-          <a:xfrm>
-            <a:off x="3978580" y="1365810"/>
-            <a:ext cx="154408" cy="767790"/>
-          </a:xfrm>
-          <a:prstGeom prst="rect">
-            <a:avLst/>
-          </a:prstGeom>
-          <a:solidFill>
-            <a:srgbClr val="0070C0"/>
-          </a:solidFill>
-          <a:ln>
-            <a:solidFill>
-              <a:srgbClr val="0070C0"/>
-            </a:solidFill>
-          </a:ln>
-          <a:effectLst/>
-        </p:spPr>
-        <p:style>
-          <a:lnRef idx="1">
-            <a:schemeClr val="accent3"/>
-          </a:lnRef>
-          <a:fillRef idx="2">
-            <a:schemeClr val="accent3"/>
-          </a:fillRef>
-          <a:effectRef idx="1">
-            <a:schemeClr val="accent3"/>
-          </a:effectRef>
-          <a:fontRef idx="minor">
-            <a:schemeClr val="dk1"/>
-          </a:fontRef>
-        </p:style>
-        <p:txBody>
-          <a:bodyPr rtlCol="0" anchor="ctr"/>
-          <a:lstStyle/>
-          <a:p>
-            <a:pPr algn="ctr"/>
-            <a:endParaRPr lang="en-SG" sz="1400">
-              <a:solidFill>
-                <a:schemeClr val="dk1"/>
-              </a:solidFill>
-            </a:endParaRPr>
-          </a:p>
-        </p:txBody>
-      </p:sp>
-      <p:cxnSp>
-        <p:nvCxnSpPr>
-          <p:cNvPr id="20" name="Straight Connector 19"/>
-          <p:cNvCxnSpPr>
-            <a:cxnSpLocks/>
-            <a:stCxn id="21" idx="0"/>
-            <a:endCxn id="4" idx="0"/>
-          </p:cNvCxnSpPr>
-          <p:nvPr/>
-        </p:nvCxnSpPr>
-        <p:spPr>
-          <a:xfrm>
-            <a:off x="5602082" y="1613633"/>
-            <a:ext cx="0" cy="2644578"/>
-          </a:xfrm>
-          <a:prstGeom prst="line">
-            <a:avLst/>
-          </a:prstGeom>
-          <a:ln w="19050">
-            <a:solidFill>
-              <a:srgbClr val="0070C0"/>
-            </a:solidFill>
-            <a:prstDash val="sysDash"/>
-          </a:ln>
-          <a:effectLst/>
-        </p:spPr>
-        <p:style>
-          <a:lnRef idx="1">
-            <a:schemeClr val="accent1"/>
-          </a:lnRef>
-          <a:fillRef idx="2">
-            <a:schemeClr val="accent1"/>
-          </a:fillRef>
-          <a:effectRef idx="1">
-            <a:schemeClr val="accent1"/>
-          </a:effectRef>
-          <a:fontRef idx="minor">
-            <a:schemeClr val="dk1"/>
-          </a:fontRef>
-        </p:style>
-      </p:cxnSp>
-      <p:sp>
-        <p:nvSpPr>
-          <p:cNvPr id="21" name="Rectangle 20"/>
-          <p:cNvSpPr/>
-          <p:nvPr/>
-        </p:nvSpPr>
-        <p:spPr>
-          <a:xfrm>
-            <a:off x="5525882" y="1613633"/>
-            <a:ext cx="152400" cy="276003"/>
-          </a:xfrm>
-          <a:prstGeom prst="rect">
-            <a:avLst/>
-          </a:prstGeom>
-          <a:solidFill>
-            <a:srgbClr val="0070C0"/>
-          </a:solidFill>
-          <a:ln>
-            <a:solidFill>
-              <a:srgbClr val="0070C0"/>
-            </a:solidFill>
-          </a:ln>
-          <a:effectLst/>
-        </p:spPr>
-        <p:style>
-          <a:lnRef idx="1">
-            <a:schemeClr val="accent3"/>
-          </a:lnRef>
-          <a:fillRef idx="2">
-            <a:schemeClr val="accent3"/>
-          </a:fillRef>
-          <a:effectRef idx="1">
-            <a:schemeClr val="accent3"/>
-          </a:effectRef>
-          <a:fontRef idx="minor">
-            <a:schemeClr val="dk1"/>
-          </a:fontRef>
-        </p:style>
-        <p:txBody>
-          <a:bodyPr rtlCol="0" anchor="ctr"/>
-          <a:lstStyle/>
-          <a:p>
-            <a:pPr algn="ctr"/>
-            <a:endParaRPr lang="en-SG" sz="1400"/>
+            <a:endParaRPr lang="en-SG" sz="1470"/>
           </a:p>
         </p:txBody>
       </p:sp>
@@ -3977,8 +3768,8 @@
         </p:nvCxnSpPr>
         <p:spPr>
           <a:xfrm>
-            <a:off x="419100" y="1261999"/>
-            <a:ext cx="1119851" cy="0"/>
+            <a:off x="838200" y="1619250"/>
+            <a:ext cx="1175843" cy="0"/>
           </a:xfrm>
           <a:prstGeom prst="straightConnector1">
             <a:avLst/>
@@ -4013,8 +3804,8 @@
         </p:nvSpPr>
         <p:spPr>
           <a:xfrm>
-            <a:off x="38100" y="990600"/>
-            <a:ext cx="1424846" cy="215444"/>
+            <a:off x="132132" y="1219200"/>
+            <a:ext cx="1951891" cy="369332"/>
           </a:xfrm>
           <a:prstGeom prst="rect">
             <a:avLst/>
@@ -4027,37 +3818,100 @@
           </a:bodyPr>
           <a:lstStyle/>
           <a:p>
-            <a:pPr algn="r"/>
-            <a:r>
-              <a:rPr lang="en-US" sz="1400" dirty="0">
+            <a:pPr algn="ctr"/>
+            <a:r>
+              <a:rPr lang="en-US" sz="1200" dirty="0">
                 <a:solidFill>
                   <a:srgbClr val="0070C0"/>
                 </a:solidFill>
               </a:rPr>
-              <a:t>execute(“undo”)</a:t>
-            </a:r>
+              <a:t>execute</a:t>
+            </a:r>
+            <a:r>
+              <a:rPr lang="en-US" sz="1200" dirty="0">
+                <a:solidFill>
+                  <a:srgbClr val="0070C0"/>
+                </a:solidFill>
+              </a:rPr>
+              <a:t>(“ </a:t>
+            </a:r>
+            <a:r>
+              <a:rPr lang="en-US" sz="1200" dirty="0" err="1">
+                <a:solidFill>
+                  <a:srgbClr val="0070C0"/>
+                </a:solidFill>
+              </a:rPr>
+              <a:t>setschedule</a:t>
+            </a:r>
+            <a:r>
+              <a:rPr lang="en-US" sz="1200" dirty="0">
+                <a:solidFill>
+                  <a:srgbClr val="0070C0"/>
+                </a:solidFill>
+              </a:rPr>
+              <a:t> 1 </a:t>
+            </a:r>
+            <a:r>
+              <a:rPr lang="en-US" sz="1200" dirty="0" err="1">
+                <a:solidFill>
+                  <a:srgbClr val="0070C0"/>
+                </a:solidFill>
+              </a:rPr>
+              <a:t>ts</a:t>
+            </a:r>
+            <a:r>
+              <a:rPr lang="en-US" sz="1200" dirty="0">
+                <a:solidFill>
+                  <a:srgbClr val="0070C0"/>
+                </a:solidFill>
+              </a:rPr>
+              <a:t>/1100 </a:t>
+            </a:r>
+            <a:r>
+              <a:rPr lang="en-US" sz="1200" dirty="0" err="1">
+                <a:solidFill>
+                  <a:srgbClr val="0070C0"/>
+                </a:solidFill>
+              </a:rPr>
+              <a:t>te</a:t>
+            </a:r>
+            <a:r>
+              <a:rPr lang="en-US" sz="1200" dirty="0">
+                <a:solidFill>
+                  <a:srgbClr val="0070C0"/>
+                </a:solidFill>
+              </a:rPr>
+              <a:t>/1600 v/Toilet ”)</a:t>
+            </a:r>
+            <a:endParaRPr lang="en-US" sz="1200" dirty="0">
+              <a:solidFill>
+                <a:srgbClr val="0070C0"/>
+              </a:solidFill>
+            </a:endParaRPr>
           </a:p>
         </p:txBody>
       </p:sp>
       <p:cxnSp>
         <p:nvCxnSpPr>
-          <p:cNvPr id="28" name="Straight Arrow Connector 27"/>
+          <p:cNvPr id="37" name="Straight Arrow Connector 36"/>
           <p:cNvCxnSpPr/>
           <p:nvPr/>
         </p:nvCxnSpPr>
         <p:spPr>
-          <a:xfrm flipV="1">
-            <a:off x="4135972" y="1512340"/>
-            <a:ext cx="922392" cy="1"/>
+          <a:xfrm>
+            <a:off x="762000" y="8229600"/>
+            <a:ext cx="1255853" cy="0"/>
           </a:xfrm>
           <a:prstGeom prst="straightConnector1">
             <a:avLst/>
           </a:prstGeom>
           <a:ln w="19050">
             <a:solidFill>
-              <a:srgbClr val="0070C0"/>
+              <a:schemeClr val="accent1"/>
             </a:solidFill>
-            <a:tailEnd type="arrow"/>
+            <a:prstDash val="sysDash"/>
+            <a:headEnd type="arrow" w="med" len="med"/>
+            <a:tailEnd type="none" w="med" len="med"/>
           </a:ln>
         </p:spPr>
         <p:style>
@@ -4077,14 +3931,14 @@
       </p:cxnSp>
       <p:sp>
         <p:nvSpPr>
-          <p:cNvPr id="29" name="TextBox 28"/>
+          <p:cNvPr id="80" name="TextBox 79"/>
           <p:cNvSpPr txBox="1"/>
           <p:nvPr/>
         </p:nvSpPr>
         <p:spPr>
           <a:xfrm>
-            <a:off x="3243421" y="2484071"/>
-            <a:ext cx="855809" cy="215444"/>
+            <a:off x="2255473" y="1364218"/>
+            <a:ext cx="1944497" cy="369332"/>
           </a:xfrm>
           <a:prstGeom prst="rect">
             <a:avLst/>
@@ -4108,186 +3962,53 @@
             </a:lvl1pPr>
           </a:lstStyle>
           <a:p>
-            <a:r>
-              <a:rPr lang="en-US" dirty="0"/>
-              <a:t>execute()</a:t>
-            </a:r>
-          </a:p>
-        </p:txBody>
-      </p:sp>
-      <p:cxnSp>
-        <p:nvCxnSpPr>
-          <p:cNvPr id="34" name="Straight Arrow Connector 33"/>
-          <p:cNvCxnSpPr/>
-          <p:nvPr/>
-        </p:nvCxnSpPr>
-        <p:spPr>
-          <a:xfrm>
-            <a:off x="4109108" y="1878232"/>
-            <a:ext cx="1492974" cy="0"/>
-          </a:xfrm>
-          <a:prstGeom prst="straightConnector1">
-            <a:avLst/>
-          </a:prstGeom>
-          <a:ln w="19050">
-            <a:solidFill>
-              <a:srgbClr val="0070C0"/>
-            </a:solidFill>
-            <a:prstDash val="sysDash"/>
-            <a:headEnd type="arrow" w="med" len="med"/>
-            <a:tailEnd type="none" w="med" len="med"/>
-          </a:ln>
-        </p:spPr>
-        <p:style>
-          <a:lnRef idx="1">
-            <a:schemeClr val="accent1"/>
-          </a:lnRef>
-          <a:fillRef idx="0">
-            <a:schemeClr val="accent1"/>
-          </a:fillRef>
-          <a:effectRef idx="0">
-            <a:schemeClr val="accent1"/>
-          </a:effectRef>
-          <a:fontRef idx="minor">
-            <a:schemeClr val="tx1"/>
-          </a:fontRef>
-        </p:style>
-      </p:cxnSp>
-      <p:cxnSp>
-        <p:nvCxnSpPr>
-          <p:cNvPr id="35" name="Straight Arrow Connector 34"/>
-          <p:cNvCxnSpPr>
-            <a:cxnSpLocks/>
-          </p:cNvCxnSpPr>
-          <p:nvPr/>
-        </p:nvCxnSpPr>
-        <p:spPr>
-          <a:xfrm>
-            <a:off x="1691351" y="2133600"/>
-            <a:ext cx="2348067" cy="0"/>
-          </a:xfrm>
-          <a:prstGeom prst="straightConnector1">
-            <a:avLst/>
-          </a:prstGeom>
-          <a:ln w="19050">
-            <a:solidFill>
-              <a:srgbClr val="0070C0"/>
-            </a:solidFill>
-            <a:prstDash val="sysDash"/>
-            <a:headEnd type="arrow" w="med" len="med"/>
-            <a:tailEnd type="none" w="med" len="med"/>
-          </a:ln>
-        </p:spPr>
-        <p:style>
-          <a:lnRef idx="1">
-            <a:schemeClr val="accent1"/>
-          </a:lnRef>
-          <a:fillRef idx="0">
-            <a:schemeClr val="accent1"/>
-          </a:fillRef>
-          <a:effectRef idx="0">
-            <a:schemeClr val="accent1"/>
-          </a:effectRef>
-          <a:fontRef idx="minor">
-            <a:schemeClr val="tx1"/>
-          </a:fontRef>
-        </p:style>
-      </p:cxnSp>
-      <p:cxnSp>
-        <p:nvCxnSpPr>
-          <p:cNvPr id="37" name="Straight Arrow Connector 36"/>
-          <p:cNvCxnSpPr/>
-          <p:nvPr/>
-        </p:nvCxnSpPr>
-        <p:spPr>
-          <a:xfrm>
-            <a:off x="380999" y="4191000"/>
-            <a:ext cx="1196051" cy="0"/>
-          </a:xfrm>
-          <a:prstGeom prst="straightConnector1">
-            <a:avLst/>
-          </a:prstGeom>
-          <a:ln w="19050">
-            <a:solidFill>
-              <a:schemeClr val="accent1"/>
-            </a:solidFill>
-            <a:prstDash val="sysDash"/>
-            <a:headEnd type="arrow" w="med" len="med"/>
-            <a:tailEnd type="none" w="med" len="med"/>
-          </a:ln>
-        </p:spPr>
-        <p:style>
-          <a:lnRef idx="1">
-            <a:schemeClr val="accent1"/>
-          </a:lnRef>
-          <a:fillRef idx="0">
-            <a:schemeClr val="accent1"/>
-          </a:fillRef>
-          <a:effectRef idx="0">
-            <a:schemeClr val="accent1"/>
-          </a:effectRef>
-          <a:fontRef idx="minor">
-            <a:schemeClr val="tx1"/>
-          </a:fontRef>
-        </p:style>
-      </p:cxnSp>
-      <p:sp>
-        <p:nvSpPr>
-          <p:cNvPr id="65" name="Rectangle 64"/>
-          <p:cNvSpPr/>
-          <p:nvPr/>
-        </p:nvSpPr>
-        <p:spPr>
-          <a:xfrm>
-            <a:off x="5526488" y="2731313"/>
-            <a:ext cx="161322" cy="1307285"/>
-          </a:xfrm>
-          <a:prstGeom prst="rect">
-            <a:avLst/>
-          </a:prstGeom>
-          <a:solidFill>
-            <a:srgbClr val="0070C0"/>
-          </a:solidFill>
-          <a:ln>
-            <a:solidFill>
-              <a:srgbClr val="0070C0"/>
-            </a:solidFill>
-          </a:ln>
-          <a:effectLst/>
-        </p:spPr>
-        <p:style>
-          <a:lnRef idx="1">
-            <a:schemeClr val="accent3"/>
-          </a:lnRef>
-          <a:fillRef idx="2">
-            <a:schemeClr val="accent3"/>
-          </a:fillRef>
-          <a:effectRef idx="1">
-            <a:schemeClr val="accent3"/>
-          </a:effectRef>
-          <a:fontRef idx="minor">
-            <a:schemeClr val="dk1"/>
-          </a:fontRef>
-        </p:style>
-        <p:txBody>
-          <a:bodyPr rtlCol="0" anchor="ctr"/>
-          <a:lstStyle/>
-          <a:p>
             <a:pPr algn="ctr"/>
-            <a:endParaRPr lang="en-SG" sz="1400"/>
-          </a:p>
-        </p:txBody>
-      </p:sp>
-      <p:sp>
-        <p:nvSpPr>
-          <p:cNvPr id="79" name="TextBox 78"/>
+            <a:r>
+              <a:rPr lang="en-US" sz="1200" dirty="0" err="1"/>
+              <a:t>parseCommand</a:t>
+            </a:r>
+            <a:r>
+              <a:rPr lang="en-US" sz="1200" dirty="0"/>
+              <a:t>(“ </a:t>
+            </a:r>
+            <a:r>
+              <a:rPr lang="en-US" sz="1200" dirty="0" err="1"/>
+              <a:t>setschedule</a:t>
+            </a:r>
+            <a:r>
+              <a:rPr lang="en-US" sz="1200" dirty="0"/>
+              <a:t> 1 </a:t>
+            </a:r>
+            <a:r>
+              <a:rPr lang="en-US" sz="1200" dirty="0" err="1"/>
+              <a:t>ts</a:t>
+            </a:r>
+            <a:r>
+              <a:rPr lang="en-US" sz="1200" dirty="0"/>
+              <a:t>/1100 </a:t>
+            </a:r>
+            <a:r>
+              <a:rPr lang="en-US" sz="1200" dirty="0" err="1"/>
+              <a:t>te</a:t>
+            </a:r>
+            <a:r>
+              <a:rPr lang="en-US" sz="1200" dirty="0"/>
+              <a:t>/1600 v/Toilet”)</a:t>
+            </a:r>
+            <a:endParaRPr lang="en-US" sz="1200" dirty="0"/>
+          </a:p>
+        </p:txBody>
+      </p:sp>
+      <p:sp>
+        <p:nvSpPr>
+          <p:cNvPr id="83" name="TextBox 82"/>
           <p:cNvSpPr txBox="1"/>
           <p:nvPr/>
         </p:nvSpPr>
         <p:spPr>
           <a:xfrm>
-            <a:off x="5651548" y="2748246"/>
-            <a:ext cx="1298078" cy="184666"/>
+            <a:off x="1039481" y="7972248"/>
+            <a:ext cx="800100" cy="226216"/>
           </a:xfrm>
           <a:prstGeom prst="rect">
             <a:avLst/>
@@ -4311,46 +4032,221 @@
             </a:lvl1pPr>
           </a:lstStyle>
           <a:p>
-            <a:r>
-              <a:rPr lang="en-US" sz="1200" dirty="0" err="1">
+            <a:pPr algn="ctr"/>
+            <a:r>
+              <a:rPr lang="en-US" sz="1470" dirty="0"/>
+              <a:t>result</a:t>
+            </a:r>
+          </a:p>
+        </p:txBody>
+      </p:sp>
+      <p:cxnSp>
+        <p:nvCxnSpPr>
+          <p:cNvPr id="67" name="Straight Arrow Connector 66">
+            <a:extLst>
+              <a:ext uri="{FF2B5EF4-FFF2-40B4-BE49-F238E27FC236}">
+                <a16:creationId xmlns:a16="http://schemas.microsoft.com/office/drawing/2014/main" xmlns="" id="{D881596E-177C-4FDC-8E60-CAB90B3D5FAB}"/>
+              </a:ext>
+            </a:extLst>
+          </p:cNvPr>
+          <p:cNvCxnSpPr>
+            <a:cxnSpLocks/>
+          </p:cNvCxnSpPr>
+          <p:nvPr/>
+        </p:nvCxnSpPr>
+        <p:spPr>
+          <a:xfrm>
+            <a:off x="2232022" y="1790700"/>
+            <a:ext cx="1966550" cy="1"/>
+          </a:xfrm>
+          <a:prstGeom prst="straightConnector1">
+            <a:avLst/>
+          </a:prstGeom>
+          <a:ln w="19050">
+            <a:solidFill>
+              <a:srgbClr val="0070C0"/>
+            </a:solidFill>
+            <a:tailEnd type="arrow"/>
+          </a:ln>
+        </p:spPr>
+        <p:style>
+          <a:lnRef idx="1">
+            <a:schemeClr val="accent1"/>
+          </a:lnRef>
+          <a:fillRef idx="0">
+            <a:schemeClr val="accent1"/>
+          </a:fillRef>
+          <a:effectRef idx="0">
+            <a:schemeClr val="accent1"/>
+          </a:effectRef>
+          <a:fontRef idx="minor">
+            <a:schemeClr val="tx1"/>
+          </a:fontRef>
+        </p:style>
+      </p:cxnSp>
+      <p:sp>
+        <p:nvSpPr>
+          <p:cNvPr id="53" name="Rectangle 62"/>
+          <p:cNvSpPr/>
+          <p:nvPr/>
+        </p:nvSpPr>
+        <p:spPr>
+          <a:xfrm>
+            <a:off x="5555040" y="1790700"/>
+            <a:ext cx="1796814" cy="279934"/>
+          </a:xfrm>
+          <a:prstGeom prst="rect">
+            <a:avLst/>
+          </a:prstGeom>
+          <a:solidFill>
+            <a:srgbClr val="0070C0"/>
+          </a:solidFill>
+          <a:ln w="19050">
+            <a:solidFill>
+              <a:srgbClr val="0070C0"/>
+            </a:solidFill>
+          </a:ln>
+          <a:effectLst/>
+        </p:spPr>
+        <p:style>
+          <a:lnRef idx="1">
+            <a:schemeClr val="accent2"/>
+          </a:lnRef>
+          <a:fillRef idx="2">
+            <a:schemeClr val="accent2"/>
+          </a:fillRef>
+          <a:effectRef idx="1">
+            <a:schemeClr val="accent2"/>
+          </a:effectRef>
+          <a:fontRef idx="minor">
+            <a:schemeClr val="dk1"/>
+          </a:fontRef>
+        </p:style>
+        <p:txBody>
+          <a:bodyPr rtlCol="0" anchor="ctr"/>
+          <a:lstStyle/>
+          <a:p>
+            <a:pPr algn="ctr"/>
+            <a:r>
+              <a:rPr lang="en-US" sz="1500" dirty="0">
                 <a:solidFill>
-                  <a:schemeClr val="accent4">
-                    <a:lumMod val="75000"/>
-                  </a:schemeClr>
+                  <a:schemeClr val="bg1"/>
                 </a:solidFill>
               </a:rPr>
-              <a:t>undo</a:t>
-            </a:r>
-            <a:r>
-              <a:rPr lang="en-US" sz="1200" dirty="0" err="1">
+              <a:t>:</a:t>
+            </a:r>
+            <a:r>
+              <a:rPr lang="en-US" sz="1500" dirty="0" err="1">
                 <a:solidFill>
-                  <a:srgbClr val="7030A0"/>
+                  <a:schemeClr val="bg1"/>
                 </a:solidFill>
               </a:rPr>
-              <a:t>AddressBook</a:t>
-            </a:r>
-            <a:r>
-              <a:rPr lang="en-US" sz="1200" dirty="0">
-                <a:solidFill>
-                  <a:srgbClr val="7030A0"/>
-                </a:solidFill>
-              </a:rPr>
-              <a:t>()</a:t>
-            </a:r>
-            <a:endParaRPr lang="en-US" sz="1200" dirty="0"/>
-          </a:p>
-        </p:txBody>
-      </p:sp>
-      <p:sp>
-        <p:nvSpPr>
-          <p:cNvPr id="80" name="TextBox 79"/>
+              <a:t>SetScheduleParser</a:t>
+            </a:r>
+            <a:endParaRPr lang="en-SG" sz="1500" dirty="0">
+              <a:solidFill>
+                <a:schemeClr val="bg1"/>
+              </a:solidFill>
+            </a:endParaRPr>
+          </a:p>
+        </p:txBody>
+      </p:sp>
+      <p:cxnSp>
+        <p:nvCxnSpPr>
+          <p:cNvPr id="54" name="Straight Connector 53"/>
+          <p:cNvCxnSpPr>
+            <a:cxnSpLocks/>
+          </p:cNvCxnSpPr>
+          <p:nvPr/>
+        </p:nvCxnSpPr>
+        <p:spPr>
+          <a:xfrm>
+            <a:off x="6444710" y="2070634"/>
+            <a:ext cx="5643" cy="4920716"/>
+          </a:xfrm>
+          <a:prstGeom prst="line">
+            <a:avLst/>
+          </a:prstGeom>
+          <a:ln w="19050">
+            <a:solidFill>
+              <a:srgbClr val="0070C0"/>
+            </a:solidFill>
+            <a:prstDash val="sysDash"/>
+          </a:ln>
+          <a:effectLst/>
+        </p:spPr>
+        <p:style>
+          <a:lnRef idx="1">
+            <a:schemeClr val="accent1"/>
+          </a:lnRef>
+          <a:fillRef idx="2">
+            <a:schemeClr val="accent1"/>
+          </a:fillRef>
+          <a:effectRef idx="1">
+            <a:schemeClr val="accent1"/>
+          </a:effectRef>
+          <a:fontRef idx="minor">
+            <a:schemeClr val="dk1"/>
+          </a:fontRef>
+        </p:style>
+      </p:cxnSp>
+      <p:sp>
+        <p:nvSpPr>
+          <p:cNvPr id="55" name="Rectangle 54"/>
+          <p:cNvSpPr/>
+          <p:nvPr/>
+        </p:nvSpPr>
+        <p:spPr>
+          <a:xfrm>
+            <a:off x="6372419" y="2076450"/>
+            <a:ext cx="162128" cy="176416"/>
+          </a:xfrm>
+          <a:prstGeom prst="rect">
+            <a:avLst/>
+          </a:prstGeom>
+          <a:solidFill>
+            <a:srgbClr val="0070C0"/>
+          </a:solidFill>
+          <a:ln>
+            <a:solidFill>
+              <a:srgbClr val="0070C0"/>
+            </a:solidFill>
+          </a:ln>
+          <a:effectLst/>
+        </p:spPr>
+        <p:style>
+          <a:lnRef idx="1">
+            <a:schemeClr val="accent3"/>
+          </a:lnRef>
+          <a:fillRef idx="2">
+            <a:schemeClr val="accent3"/>
+          </a:fillRef>
+          <a:effectRef idx="1">
+            <a:schemeClr val="accent3"/>
+          </a:effectRef>
+          <a:fontRef idx="minor">
+            <a:schemeClr val="dk1"/>
+          </a:fontRef>
+        </p:style>
+        <p:txBody>
+          <a:bodyPr rtlCol="0" anchor="ctr"/>
+          <a:lstStyle/>
+          <a:p>
+            <a:pPr algn="ctr"/>
+            <a:endParaRPr lang="en-SG" sz="1470"/>
+          </a:p>
+        </p:txBody>
+      </p:sp>
+      <p:sp>
+        <p:nvSpPr>
+          <p:cNvPr id="57" name="TextBox 56"/>
           <p:cNvSpPr txBox="1"/>
           <p:nvPr/>
         </p:nvSpPr>
         <p:spPr>
           <a:xfrm>
-            <a:off x="1885189" y="1106150"/>
-            <a:ext cx="1899551" cy="215444"/>
+            <a:off x="4484322" y="2392918"/>
+            <a:ext cx="1911463" cy="369332"/>
           </a:xfrm>
           <a:prstGeom prst="rect">
             <a:avLst/>
@@ -4374,27 +4270,842 @@
             </a:lvl1pPr>
           </a:lstStyle>
           <a:p>
-            <a:r>
-              <a:rPr lang="en-US" dirty="0" err="1"/>
+            <a:pPr algn="ctr"/>
+            <a:r>
+              <a:rPr lang="en-US" sz="1200" dirty="0" err="1"/>
               <a:t>parseCommand</a:t>
             </a:r>
             <a:r>
-              <a:rPr lang="en-US" dirty="0"/>
-              <a:t>(“undo”)</a:t>
-            </a:r>
-          </a:p>
-        </p:txBody>
-      </p:sp>
-      <p:sp>
-        <p:nvSpPr>
-          <p:cNvPr id="82" name="TextBox 81"/>
+              <a:rPr lang="en-US" sz="1200" dirty="0"/>
+              <a:t>(“ </a:t>
+            </a:r>
+            <a:r>
+              <a:rPr lang="en-US" sz="1200" dirty="0" err="1"/>
+              <a:t>setschedule</a:t>
+            </a:r>
+            <a:r>
+              <a:rPr lang="en-US" sz="1200" dirty="0"/>
+              <a:t> 1 </a:t>
+            </a:r>
+            <a:r>
+              <a:rPr lang="en-US" sz="1200" dirty="0" err="1"/>
+              <a:t>ts</a:t>
+            </a:r>
+            <a:r>
+              <a:rPr lang="en-US" sz="1200" dirty="0"/>
+              <a:t>/1100 </a:t>
+            </a:r>
+            <a:r>
+              <a:rPr lang="en-US" sz="1200" dirty="0" err="1"/>
+              <a:t>te</a:t>
+            </a:r>
+            <a:r>
+              <a:rPr lang="en-US" sz="1200" dirty="0"/>
+              <a:t>/1600 v/Toilet”)</a:t>
+            </a:r>
+            <a:endParaRPr lang="en-US" sz="1200" dirty="0"/>
+          </a:p>
+        </p:txBody>
+      </p:sp>
+      <p:cxnSp>
+        <p:nvCxnSpPr>
+          <p:cNvPr id="58" name="Straight Arrow Connector 57">
+            <a:extLst>
+              <a:ext uri="{FF2B5EF4-FFF2-40B4-BE49-F238E27FC236}">
+                <a16:creationId xmlns:a16="http://schemas.microsoft.com/office/drawing/2014/main" xmlns="" id="{D881596E-177C-4FDC-8E60-CAB90B3D5FAB}"/>
+              </a:ext>
+            </a:extLst>
+          </p:cNvPr>
+          <p:cNvCxnSpPr>
+            <a:cxnSpLocks/>
+            <a:endCxn id="53" idx="1"/>
+          </p:cNvCxnSpPr>
+          <p:nvPr/>
+        </p:nvCxnSpPr>
+        <p:spPr>
+          <a:xfrm>
+            <a:off x="4427172" y="1930667"/>
+            <a:ext cx="1127868" cy="0"/>
+          </a:xfrm>
+          <a:prstGeom prst="straightConnector1">
+            <a:avLst/>
+          </a:prstGeom>
+          <a:ln w="19050">
+            <a:solidFill>
+              <a:srgbClr val="0070C0"/>
+            </a:solidFill>
+            <a:tailEnd type="arrow"/>
+          </a:ln>
+        </p:spPr>
+        <p:style>
+          <a:lnRef idx="1">
+            <a:schemeClr val="accent1"/>
+          </a:lnRef>
+          <a:fillRef idx="0">
+            <a:schemeClr val="accent1"/>
+          </a:fillRef>
+          <a:effectRef idx="0">
+            <a:schemeClr val="accent1"/>
+          </a:effectRef>
+          <a:fontRef idx="minor">
+            <a:schemeClr val="tx1"/>
+          </a:fontRef>
+        </p:style>
+      </p:cxnSp>
+      <p:cxnSp>
+        <p:nvCxnSpPr>
+          <p:cNvPr id="59" name="Straight Arrow Connector 58"/>
+          <p:cNvCxnSpPr/>
+          <p:nvPr/>
+        </p:nvCxnSpPr>
+        <p:spPr>
+          <a:xfrm>
+            <a:off x="4425025" y="2247900"/>
+            <a:ext cx="1945247" cy="4966"/>
+          </a:xfrm>
+          <a:prstGeom prst="straightConnector1">
+            <a:avLst/>
+          </a:prstGeom>
+          <a:ln w="19050">
+            <a:solidFill>
+              <a:schemeClr val="accent1"/>
+            </a:solidFill>
+            <a:prstDash val="sysDash"/>
+            <a:headEnd type="arrow" w="med" len="med"/>
+            <a:tailEnd type="none" w="med" len="med"/>
+          </a:ln>
+        </p:spPr>
+        <p:style>
+          <a:lnRef idx="1">
+            <a:schemeClr val="accent1"/>
+          </a:lnRef>
+          <a:fillRef idx="0">
+            <a:schemeClr val="accent1"/>
+          </a:fillRef>
+          <a:effectRef idx="0">
+            <a:schemeClr val="accent1"/>
+          </a:effectRef>
+          <a:fontRef idx="minor">
+            <a:schemeClr val="tx1"/>
+          </a:fontRef>
+        </p:style>
+      </p:cxnSp>
+      <p:cxnSp>
+        <p:nvCxnSpPr>
+          <p:cNvPr id="62" name="Straight Arrow Connector 61">
+            <a:extLst>
+              <a:ext uri="{FF2B5EF4-FFF2-40B4-BE49-F238E27FC236}">
+                <a16:creationId xmlns:a16="http://schemas.microsoft.com/office/drawing/2014/main" xmlns="" id="{D881596E-177C-4FDC-8E60-CAB90B3D5FAB}"/>
+              </a:ext>
+            </a:extLst>
+          </p:cNvPr>
+          <p:cNvCxnSpPr>
+            <a:cxnSpLocks/>
+          </p:cNvCxnSpPr>
+          <p:nvPr/>
+        </p:nvCxnSpPr>
+        <p:spPr>
+          <a:xfrm>
+            <a:off x="4427527" y="2819400"/>
+            <a:ext cx="1914049" cy="0"/>
+          </a:xfrm>
+          <a:prstGeom prst="straightConnector1">
+            <a:avLst/>
+          </a:prstGeom>
+          <a:ln w="19050">
+            <a:solidFill>
+              <a:srgbClr val="0070C0"/>
+            </a:solidFill>
+            <a:tailEnd type="arrow"/>
+          </a:ln>
+        </p:spPr>
+        <p:style>
+          <a:lnRef idx="1">
+            <a:schemeClr val="accent1"/>
+          </a:lnRef>
+          <a:fillRef idx="0">
+            <a:schemeClr val="accent1"/>
+          </a:fillRef>
+          <a:effectRef idx="0">
+            <a:schemeClr val="accent1"/>
+          </a:effectRef>
+          <a:fontRef idx="minor">
+            <a:schemeClr val="tx1"/>
+          </a:fontRef>
+        </p:style>
+      </p:cxnSp>
+      <p:sp>
+        <p:nvSpPr>
+          <p:cNvPr id="64" name="Rectangle 63"/>
+          <p:cNvSpPr/>
+          <p:nvPr/>
+        </p:nvSpPr>
+        <p:spPr>
+          <a:xfrm>
+            <a:off x="6370273" y="2819400"/>
+            <a:ext cx="162128" cy="742950"/>
+          </a:xfrm>
+          <a:prstGeom prst="rect">
+            <a:avLst/>
+          </a:prstGeom>
+          <a:solidFill>
+            <a:srgbClr val="0070C0"/>
+          </a:solidFill>
+          <a:ln>
+            <a:solidFill>
+              <a:srgbClr val="0070C0"/>
+            </a:solidFill>
+          </a:ln>
+          <a:effectLst/>
+        </p:spPr>
+        <p:style>
+          <a:lnRef idx="1">
+            <a:schemeClr val="accent3"/>
+          </a:lnRef>
+          <a:fillRef idx="2">
+            <a:schemeClr val="accent3"/>
+          </a:fillRef>
+          <a:effectRef idx="1">
+            <a:schemeClr val="accent3"/>
+          </a:effectRef>
+          <a:fontRef idx="minor">
+            <a:schemeClr val="dk1"/>
+          </a:fontRef>
+        </p:style>
+        <p:txBody>
+          <a:bodyPr rtlCol="0" anchor="ctr"/>
+          <a:lstStyle/>
+          <a:p>
+            <a:pPr algn="ctr"/>
+            <a:endParaRPr lang="en-SG" sz="1470"/>
+          </a:p>
+        </p:txBody>
+      </p:sp>
+      <p:sp>
+        <p:nvSpPr>
+          <p:cNvPr id="68" name="Rectangle 62"/>
+          <p:cNvSpPr/>
+          <p:nvPr/>
+        </p:nvSpPr>
+        <p:spPr>
+          <a:xfrm>
+            <a:off x="7456122" y="2647950"/>
+            <a:ext cx="1230678" cy="514350"/>
+          </a:xfrm>
+          <a:prstGeom prst="rect">
+            <a:avLst/>
+          </a:prstGeom>
+          <a:solidFill>
+            <a:srgbClr val="0070C0"/>
+          </a:solidFill>
+          <a:ln w="19050">
+            <a:solidFill>
+              <a:srgbClr val="0070C0"/>
+            </a:solidFill>
+          </a:ln>
+          <a:effectLst/>
+        </p:spPr>
+        <p:style>
+          <a:lnRef idx="1">
+            <a:schemeClr val="accent2"/>
+          </a:lnRef>
+          <a:fillRef idx="2">
+            <a:schemeClr val="accent2"/>
+          </a:fillRef>
+          <a:effectRef idx="1">
+            <a:schemeClr val="accent2"/>
+          </a:effectRef>
+          <a:fontRef idx="minor">
+            <a:schemeClr val="dk1"/>
+          </a:fontRef>
+        </p:style>
+        <p:txBody>
+          <a:bodyPr rtlCol="0" anchor="ctr"/>
+          <a:lstStyle/>
+          <a:p>
+            <a:pPr algn="ctr"/>
+            <a:r>
+              <a:rPr lang="en-US" sz="1350" dirty="0">
+                <a:solidFill>
+                  <a:schemeClr val="bg1"/>
+                </a:solidFill>
+              </a:rPr>
+              <a:t>u :</a:t>
+            </a:r>
+            <a:r>
+              <a:rPr lang="en-US" sz="1350" dirty="0" err="1">
+                <a:solidFill>
+                  <a:schemeClr val="bg1"/>
+                </a:solidFill>
+              </a:rPr>
+              <a:t>SetSchedule</a:t>
+            </a:r>
+            <a:endParaRPr lang="en-US" sz="1350" dirty="0">
+              <a:solidFill>
+                <a:schemeClr val="bg1"/>
+              </a:solidFill>
+            </a:endParaRPr>
+          </a:p>
+          <a:p>
+            <a:pPr algn="ctr"/>
+            <a:r>
+              <a:rPr lang="en-US" sz="1350" dirty="0">
+                <a:solidFill>
+                  <a:schemeClr val="bg1"/>
+                </a:solidFill>
+              </a:rPr>
+              <a:t>Command</a:t>
+            </a:r>
+            <a:endParaRPr lang="en-SG" sz="1350" dirty="0">
+              <a:solidFill>
+                <a:schemeClr val="bg1"/>
+              </a:solidFill>
+            </a:endParaRPr>
+          </a:p>
+        </p:txBody>
+      </p:sp>
+      <p:cxnSp>
+        <p:nvCxnSpPr>
+          <p:cNvPr id="70" name="Straight Arrow Connector 69">
+            <a:extLst>
+              <a:ext uri="{FF2B5EF4-FFF2-40B4-BE49-F238E27FC236}">
+                <a16:creationId xmlns:a16="http://schemas.microsoft.com/office/drawing/2014/main" xmlns="" id="{D881596E-177C-4FDC-8E60-CAB90B3D5FAB}"/>
+              </a:ext>
+            </a:extLst>
+          </p:cNvPr>
+          <p:cNvCxnSpPr>
+            <a:cxnSpLocks/>
+          </p:cNvCxnSpPr>
+          <p:nvPr/>
+        </p:nvCxnSpPr>
+        <p:spPr>
+          <a:xfrm>
+            <a:off x="6541722" y="2933700"/>
+            <a:ext cx="914400" cy="0"/>
+          </a:xfrm>
+          <a:prstGeom prst="straightConnector1">
+            <a:avLst/>
+          </a:prstGeom>
+          <a:ln w="19050">
+            <a:solidFill>
+              <a:srgbClr val="0070C0"/>
+            </a:solidFill>
+            <a:tailEnd type="arrow"/>
+          </a:ln>
+        </p:spPr>
+        <p:style>
+          <a:lnRef idx="1">
+            <a:schemeClr val="accent1"/>
+          </a:lnRef>
+          <a:fillRef idx="0">
+            <a:schemeClr val="accent1"/>
+          </a:fillRef>
+          <a:effectRef idx="0">
+            <a:schemeClr val="accent1"/>
+          </a:effectRef>
+          <a:fontRef idx="minor">
+            <a:schemeClr val="tx1"/>
+          </a:fontRef>
+        </p:style>
+      </p:cxnSp>
+      <p:sp>
+        <p:nvSpPr>
+          <p:cNvPr id="71" name="Rectangle 70"/>
+          <p:cNvSpPr/>
+          <p:nvPr/>
+        </p:nvSpPr>
+        <p:spPr>
+          <a:xfrm>
+            <a:off x="7975133" y="3162300"/>
+            <a:ext cx="162128" cy="228600"/>
+          </a:xfrm>
+          <a:prstGeom prst="rect">
+            <a:avLst/>
+          </a:prstGeom>
+          <a:solidFill>
+            <a:srgbClr val="0070C0"/>
+          </a:solidFill>
+          <a:ln>
+            <a:solidFill>
+              <a:srgbClr val="0070C0"/>
+            </a:solidFill>
+          </a:ln>
+          <a:effectLst/>
+        </p:spPr>
+        <p:style>
+          <a:lnRef idx="1">
+            <a:schemeClr val="accent3"/>
+          </a:lnRef>
+          <a:fillRef idx="2">
+            <a:schemeClr val="accent3"/>
+          </a:fillRef>
+          <a:effectRef idx="1">
+            <a:schemeClr val="accent3"/>
+          </a:effectRef>
+          <a:fontRef idx="minor">
+            <a:schemeClr val="dk1"/>
+          </a:fontRef>
+        </p:style>
+        <p:txBody>
+          <a:bodyPr rtlCol="0" anchor="ctr"/>
+          <a:lstStyle/>
+          <a:p>
+            <a:pPr algn="ctr"/>
+            <a:endParaRPr lang="en-SG" sz="1470"/>
+          </a:p>
+        </p:txBody>
+      </p:sp>
+      <p:cxnSp>
+        <p:nvCxnSpPr>
+          <p:cNvPr id="72" name="Straight Connector 71"/>
+          <p:cNvCxnSpPr>
+            <a:cxnSpLocks/>
+          </p:cNvCxnSpPr>
+          <p:nvPr/>
+        </p:nvCxnSpPr>
+        <p:spPr>
+          <a:xfrm>
+            <a:off x="8062133" y="3162299"/>
+            <a:ext cx="5339" cy="5822349"/>
+          </a:xfrm>
+          <a:prstGeom prst="line">
+            <a:avLst/>
+          </a:prstGeom>
+          <a:ln w="19050">
+            <a:solidFill>
+              <a:srgbClr val="0070C0"/>
+            </a:solidFill>
+            <a:prstDash val="sysDash"/>
+          </a:ln>
+          <a:effectLst/>
+        </p:spPr>
+        <p:style>
+          <a:lnRef idx="1">
+            <a:schemeClr val="accent1"/>
+          </a:lnRef>
+          <a:fillRef idx="2">
+            <a:schemeClr val="accent1"/>
+          </a:fillRef>
+          <a:effectRef idx="1">
+            <a:schemeClr val="accent1"/>
+          </a:effectRef>
+          <a:fontRef idx="minor">
+            <a:schemeClr val="dk1"/>
+          </a:fontRef>
+        </p:style>
+      </p:cxnSp>
+      <p:cxnSp>
+        <p:nvCxnSpPr>
+          <p:cNvPr id="73" name="Straight Arrow Connector 72"/>
+          <p:cNvCxnSpPr/>
+          <p:nvPr/>
+        </p:nvCxnSpPr>
+        <p:spPr>
+          <a:xfrm>
+            <a:off x="6541722" y="3390900"/>
+            <a:ext cx="1433411" cy="0"/>
+          </a:xfrm>
+          <a:prstGeom prst="straightConnector1">
+            <a:avLst/>
+          </a:prstGeom>
+          <a:ln w="19050">
+            <a:solidFill>
+              <a:schemeClr val="accent1"/>
+            </a:solidFill>
+            <a:prstDash val="sysDash"/>
+            <a:headEnd type="arrow" w="med" len="med"/>
+            <a:tailEnd type="none" w="med" len="med"/>
+          </a:ln>
+        </p:spPr>
+        <p:style>
+          <a:lnRef idx="1">
+            <a:schemeClr val="accent1"/>
+          </a:lnRef>
+          <a:fillRef idx="0">
+            <a:schemeClr val="accent1"/>
+          </a:fillRef>
+          <a:effectRef idx="0">
+            <a:schemeClr val="accent1"/>
+          </a:effectRef>
+          <a:fontRef idx="minor">
+            <a:schemeClr val="tx1"/>
+          </a:fontRef>
+        </p:style>
+      </p:cxnSp>
+      <p:cxnSp>
+        <p:nvCxnSpPr>
+          <p:cNvPr id="77" name="Straight Arrow Connector 76"/>
+          <p:cNvCxnSpPr/>
+          <p:nvPr/>
+        </p:nvCxnSpPr>
+        <p:spPr>
+          <a:xfrm>
+            <a:off x="4415904" y="3562350"/>
+            <a:ext cx="1954369" cy="0"/>
+          </a:xfrm>
+          <a:prstGeom prst="straightConnector1">
+            <a:avLst/>
+          </a:prstGeom>
+          <a:ln w="19050">
+            <a:solidFill>
+              <a:schemeClr val="accent1"/>
+            </a:solidFill>
+            <a:prstDash val="sysDash"/>
+            <a:headEnd type="arrow" w="med" len="med"/>
+            <a:tailEnd type="none" w="med" len="med"/>
+          </a:ln>
+        </p:spPr>
+        <p:style>
+          <a:lnRef idx="1">
+            <a:schemeClr val="accent1"/>
+          </a:lnRef>
+          <a:fillRef idx="0">
+            <a:schemeClr val="accent1"/>
+          </a:fillRef>
+          <a:effectRef idx="0">
+            <a:schemeClr val="accent1"/>
+          </a:effectRef>
+          <a:fontRef idx="minor">
+            <a:schemeClr val="tx1"/>
+          </a:fontRef>
+        </p:style>
+      </p:cxnSp>
+      <p:cxnSp>
+        <p:nvCxnSpPr>
+          <p:cNvPr id="85" name="Straight Arrow Connector 84"/>
+          <p:cNvCxnSpPr/>
+          <p:nvPr/>
+        </p:nvCxnSpPr>
+        <p:spPr>
+          <a:xfrm>
+            <a:off x="2244204" y="3676650"/>
+            <a:ext cx="1954369" cy="0"/>
+          </a:xfrm>
+          <a:prstGeom prst="straightConnector1">
+            <a:avLst/>
+          </a:prstGeom>
+          <a:ln w="19050">
+            <a:solidFill>
+              <a:schemeClr val="accent1"/>
+            </a:solidFill>
+            <a:prstDash val="sysDash"/>
+            <a:headEnd type="arrow" w="med" len="med"/>
+            <a:tailEnd type="none" w="med" len="med"/>
+          </a:ln>
+        </p:spPr>
+        <p:style>
+          <a:lnRef idx="1">
+            <a:schemeClr val="accent1"/>
+          </a:lnRef>
+          <a:fillRef idx="0">
+            <a:schemeClr val="accent1"/>
+          </a:fillRef>
+          <a:effectRef idx="0">
+            <a:schemeClr val="accent1"/>
+          </a:effectRef>
+          <a:fontRef idx="minor">
+            <a:schemeClr val="tx1"/>
+          </a:fontRef>
+        </p:style>
+      </p:cxnSp>
+      <p:cxnSp>
+        <p:nvCxnSpPr>
+          <p:cNvPr id="87" name="Straight Arrow Connector 86">
+            <a:extLst>
+              <a:ext uri="{FF2B5EF4-FFF2-40B4-BE49-F238E27FC236}">
+                <a16:creationId xmlns:a16="http://schemas.microsoft.com/office/drawing/2014/main" xmlns="" id="{D881596E-177C-4FDC-8E60-CAB90B3D5FAB}"/>
+              </a:ext>
+            </a:extLst>
+          </p:cNvPr>
+          <p:cNvCxnSpPr>
+            <a:cxnSpLocks/>
+          </p:cNvCxnSpPr>
+          <p:nvPr/>
+        </p:nvCxnSpPr>
+        <p:spPr>
+          <a:xfrm>
+            <a:off x="2274872" y="4113341"/>
+            <a:ext cx="5698452" cy="1459"/>
+          </a:xfrm>
+          <a:prstGeom prst="straightConnector1">
+            <a:avLst/>
+          </a:prstGeom>
+          <a:ln w="19050">
+            <a:solidFill>
+              <a:srgbClr val="0070C0"/>
+            </a:solidFill>
+            <a:tailEnd type="arrow"/>
+          </a:ln>
+        </p:spPr>
+        <p:style>
+          <a:lnRef idx="1">
+            <a:schemeClr val="accent1"/>
+          </a:lnRef>
+          <a:fillRef idx="0">
+            <a:schemeClr val="accent1"/>
+          </a:fillRef>
+          <a:effectRef idx="0">
+            <a:schemeClr val="accent1"/>
+          </a:effectRef>
+          <a:fontRef idx="minor">
+            <a:schemeClr val="tx1"/>
+          </a:fontRef>
+        </p:style>
+      </p:cxnSp>
+      <p:sp>
+        <p:nvSpPr>
+          <p:cNvPr id="90" name="Rectangle 89"/>
+          <p:cNvSpPr/>
+          <p:nvPr/>
+        </p:nvSpPr>
+        <p:spPr>
+          <a:xfrm>
+            <a:off x="7981599" y="4104875"/>
+            <a:ext cx="162128" cy="3972323"/>
+          </a:xfrm>
+          <a:prstGeom prst="rect">
+            <a:avLst/>
+          </a:prstGeom>
+          <a:solidFill>
+            <a:srgbClr val="0070C0"/>
+          </a:solidFill>
+          <a:ln>
+            <a:solidFill>
+              <a:srgbClr val="0070C0"/>
+            </a:solidFill>
+          </a:ln>
+          <a:effectLst/>
+        </p:spPr>
+        <p:style>
+          <a:lnRef idx="1">
+            <a:schemeClr val="accent3"/>
+          </a:lnRef>
+          <a:fillRef idx="2">
+            <a:schemeClr val="accent3"/>
+          </a:fillRef>
+          <a:effectRef idx="1">
+            <a:schemeClr val="accent3"/>
+          </a:effectRef>
+          <a:fontRef idx="minor">
+            <a:schemeClr val="dk1"/>
+          </a:fontRef>
+        </p:style>
+        <p:txBody>
+          <a:bodyPr rtlCol="0" anchor="ctr"/>
+          <a:lstStyle/>
+          <a:p>
+            <a:pPr algn="ctr"/>
+            <a:endParaRPr lang="en-SG" sz="1470"/>
+          </a:p>
+        </p:txBody>
+      </p:sp>
+      <p:sp>
+        <p:nvSpPr>
+          <p:cNvPr id="94" name="Rectangle 62"/>
+          <p:cNvSpPr/>
+          <p:nvPr/>
+        </p:nvSpPr>
+        <p:spPr>
+          <a:xfrm>
+            <a:off x="9144000" y="4038600"/>
+            <a:ext cx="1796814" cy="279934"/>
+          </a:xfrm>
+          <a:prstGeom prst="rect">
+            <a:avLst/>
+          </a:prstGeom>
+          <a:solidFill>
+            <a:srgbClr val="0070C0"/>
+          </a:solidFill>
+          <a:ln w="19050">
+            <a:solidFill>
+              <a:srgbClr val="0070C0"/>
+            </a:solidFill>
+          </a:ln>
+          <a:effectLst/>
+        </p:spPr>
+        <p:style>
+          <a:lnRef idx="1">
+            <a:schemeClr val="accent2"/>
+          </a:lnRef>
+          <a:fillRef idx="2">
+            <a:schemeClr val="accent2"/>
+          </a:fillRef>
+          <a:effectRef idx="1">
+            <a:schemeClr val="accent2"/>
+          </a:effectRef>
+          <a:fontRef idx="minor">
+            <a:schemeClr val="dk1"/>
+          </a:fontRef>
+        </p:style>
+        <p:txBody>
+          <a:bodyPr rtlCol="0" anchor="ctr"/>
+          <a:lstStyle/>
+          <a:p>
+            <a:pPr algn="ctr"/>
+            <a:r>
+              <a:rPr lang="en-US" sz="1500" dirty="0" smtClean="0">
+                <a:solidFill>
+                  <a:schemeClr val="bg1"/>
+                </a:solidFill>
+              </a:rPr>
+              <a:t>:</a:t>
+            </a:r>
+            <a:r>
+              <a:rPr lang="en-US" sz="1500" dirty="0" err="1" smtClean="0">
+                <a:solidFill>
+                  <a:schemeClr val="bg1"/>
+                </a:solidFill>
+              </a:rPr>
+              <a:t>SessionManager</a:t>
+            </a:r>
+            <a:endParaRPr lang="en-SG" sz="1500" dirty="0">
+              <a:solidFill>
+                <a:schemeClr val="bg1"/>
+              </a:solidFill>
+            </a:endParaRPr>
+          </a:p>
+        </p:txBody>
+      </p:sp>
+      <p:cxnSp>
+        <p:nvCxnSpPr>
+          <p:cNvPr id="95" name="Straight Connector 94"/>
+          <p:cNvCxnSpPr>
+            <a:cxnSpLocks/>
+          </p:cNvCxnSpPr>
+          <p:nvPr/>
+        </p:nvCxnSpPr>
+        <p:spPr>
+          <a:xfrm>
+            <a:off x="10042407" y="4318534"/>
+            <a:ext cx="5643" cy="4920716"/>
+          </a:xfrm>
+          <a:prstGeom prst="line">
+            <a:avLst/>
+          </a:prstGeom>
+          <a:ln w="19050">
+            <a:solidFill>
+              <a:srgbClr val="0070C0"/>
+            </a:solidFill>
+            <a:prstDash val="sysDash"/>
+          </a:ln>
+          <a:effectLst/>
+        </p:spPr>
+        <p:style>
+          <a:lnRef idx="1">
+            <a:schemeClr val="accent1"/>
+          </a:lnRef>
+          <a:fillRef idx="2">
+            <a:schemeClr val="accent1"/>
+          </a:fillRef>
+          <a:effectRef idx="1">
+            <a:schemeClr val="accent1"/>
+          </a:effectRef>
+          <a:fontRef idx="minor">
+            <a:schemeClr val="dk1"/>
+          </a:fontRef>
+        </p:style>
+      </p:cxnSp>
+      <p:sp>
+        <p:nvSpPr>
+          <p:cNvPr id="96" name="Rectangle 95"/>
+          <p:cNvSpPr/>
+          <p:nvPr/>
+        </p:nvSpPr>
+        <p:spPr>
+          <a:xfrm>
+            <a:off x="9961379" y="4324350"/>
+            <a:ext cx="162128" cy="176416"/>
+          </a:xfrm>
+          <a:prstGeom prst="rect">
+            <a:avLst/>
+          </a:prstGeom>
+          <a:solidFill>
+            <a:srgbClr val="0070C0"/>
+          </a:solidFill>
+          <a:ln>
+            <a:solidFill>
+              <a:srgbClr val="0070C0"/>
+            </a:solidFill>
+          </a:ln>
+          <a:effectLst/>
+        </p:spPr>
+        <p:style>
+          <a:lnRef idx="1">
+            <a:schemeClr val="accent3"/>
+          </a:lnRef>
+          <a:fillRef idx="2">
+            <a:schemeClr val="accent3"/>
+          </a:fillRef>
+          <a:effectRef idx="1">
+            <a:schemeClr val="accent3"/>
+          </a:effectRef>
+          <a:fontRef idx="minor">
+            <a:schemeClr val="dk1"/>
+          </a:fontRef>
+        </p:style>
+        <p:txBody>
+          <a:bodyPr rtlCol="0" anchor="ctr"/>
+          <a:lstStyle/>
+          <a:p>
+            <a:pPr algn="ctr"/>
+            <a:endParaRPr lang="en-SG" sz="1470"/>
+          </a:p>
+        </p:txBody>
+      </p:sp>
+      <p:cxnSp>
+        <p:nvCxnSpPr>
+          <p:cNvPr id="97" name="Straight Arrow Connector 96">
+            <a:extLst>
+              <a:ext uri="{FF2B5EF4-FFF2-40B4-BE49-F238E27FC236}">
+                <a16:creationId xmlns:a16="http://schemas.microsoft.com/office/drawing/2014/main" xmlns="" id="{D881596E-177C-4FDC-8E60-CAB90B3D5FAB}"/>
+              </a:ext>
+            </a:extLst>
+          </p:cNvPr>
+          <p:cNvCxnSpPr>
+            <a:cxnSpLocks/>
+          </p:cNvCxnSpPr>
+          <p:nvPr/>
+        </p:nvCxnSpPr>
+        <p:spPr>
+          <a:xfrm>
+            <a:off x="8143727" y="4191000"/>
+            <a:ext cx="1000273" cy="0"/>
+          </a:xfrm>
+          <a:prstGeom prst="straightConnector1">
+            <a:avLst/>
+          </a:prstGeom>
+          <a:ln w="19050">
+            <a:solidFill>
+              <a:srgbClr val="0070C0"/>
+            </a:solidFill>
+            <a:tailEnd type="arrow"/>
+          </a:ln>
+        </p:spPr>
+        <p:style>
+          <a:lnRef idx="1">
+            <a:schemeClr val="accent1"/>
+          </a:lnRef>
+          <a:fillRef idx="0">
+            <a:schemeClr val="accent1"/>
+          </a:fillRef>
+          <a:effectRef idx="0">
+            <a:schemeClr val="accent1"/>
+          </a:effectRef>
+          <a:fontRef idx="minor">
+            <a:schemeClr val="tx1"/>
+          </a:fontRef>
+        </p:style>
+      </p:cxnSp>
+      <p:sp>
+        <p:nvSpPr>
+          <p:cNvPr id="98" name="TextBox 97"/>
           <p:cNvSpPr txBox="1"/>
           <p:nvPr/>
         </p:nvSpPr>
         <p:spPr>
           <a:xfrm>
-            <a:off x="3272755" y="3791076"/>
-            <a:ext cx="621216" cy="215444"/>
+            <a:off x="8229600" y="3962400"/>
+            <a:ext cx="868623" cy="184666"/>
           </a:xfrm>
           <a:prstGeom prst="rect">
             <a:avLst/>
@@ -4418,23 +5129,279 @@
             </a:lvl1pPr>
           </a:lstStyle>
           <a:p>
-            <a:r>
-              <a:rPr lang="en-US" dirty="0"/>
-              <a:t>result</a:t>
-            </a:r>
-          </a:p>
-        </p:txBody>
-      </p:sp>
-      <p:sp>
-        <p:nvSpPr>
-          <p:cNvPr id="83" name="TextBox 82"/>
+            <a:pPr algn="ctr"/>
+            <a:r>
+              <a:rPr lang="en-US" sz="1200" dirty="0" err="1" smtClean="0"/>
+              <a:t>isLoggedIn</a:t>
+            </a:r>
+            <a:r>
+              <a:rPr lang="en-US" sz="1200" dirty="0" smtClean="0"/>
+              <a:t>( )</a:t>
+            </a:r>
+            <a:endParaRPr lang="en-US" sz="1200" dirty="0"/>
+          </a:p>
+        </p:txBody>
+      </p:sp>
+      <p:cxnSp>
+        <p:nvCxnSpPr>
+          <p:cNvPr id="100" name="Straight Arrow Connector 99"/>
+          <p:cNvCxnSpPr/>
+          <p:nvPr/>
+        </p:nvCxnSpPr>
+        <p:spPr>
+          <a:xfrm flipV="1">
+            <a:off x="8152002" y="4495800"/>
+            <a:ext cx="1830198" cy="4966"/>
+          </a:xfrm>
+          <a:prstGeom prst="straightConnector1">
+            <a:avLst/>
+          </a:prstGeom>
+          <a:ln w="19050">
+            <a:solidFill>
+              <a:schemeClr val="accent1"/>
+            </a:solidFill>
+            <a:prstDash val="sysDash"/>
+            <a:headEnd type="arrow" w="med" len="med"/>
+            <a:tailEnd type="none" w="med" len="med"/>
+          </a:ln>
+        </p:spPr>
+        <p:style>
+          <a:lnRef idx="1">
+            <a:schemeClr val="accent1"/>
+          </a:lnRef>
+          <a:fillRef idx="0">
+            <a:schemeClr val="accent1"/>
+          </a:fillRef>
+          <a:effectRef idx="0">
+            <a:schemeClr val="accent1"/>
+          </a:effectRef>
+          <a:fontRef idx="minor">
+            <a:schemeClr val="tx1"/>
+          </a:fontRef>
+        </p:style>
+      </p:cxnSp>
+      <p:sp>
+        <p:nvSpPr>
+          <p:cNvPr id="106" name="Rectangle 62"/>
+          <p:cNvSpPr/>
+          <p:nvPr/>
+        </p:nvSpPr>
+        <p:spPr>
+          <a:xfrm>
+            <a:off x="11506200" y="732851"/>
+            <a:ext cx="1098786" cy="279934"/>
+          </a:xfrm>
+          <a:prstGeom prst="rect">
+            <a:avLst/>
+          </a:prstGeom>
+          <a:solidFill>
+            <a:srgbClr val="0070C0"/>
+          </a:solidFill>
+          <a:ln w="19050">
+            <a:solidFill>
+              <a:srgbClr val="0070C0"/>
+            </a:solidFill>
+          </a:ln>
+          <a:effectLst/>
+        </p:spPr>
+        <p:style>
+          <a:lnRef idx="1">
+            <a:schemeClr val="accent2"/>
+          </a:lnRef>
+          <a:fillRef idx="2">
+            <a:schemeClr val="accent2"/>
+          </a:fillRef>
+          <a:effectRef idx="1">
+            <a:schemeClr val="accent2"/>
+          </a:effectRef>
+          <a:fontRef idx="minor">
+            <a:schemeClr val="dk1"/>
+          </a:fontRef>
+        </p:style>
+        <p:txBody>
+          <a:bodyPr rtlCol="0" anchor="ctr"/>
+          <a:lstStyle/>
+          <a:p>
+            <a:pPr algn="ctr"/>
+            <a:r>
+              <a:rPr lang="en-US" sz="1500" dirty="0" smtClean="0">
+                <a:solidFill>
+                  <a:schemeClr val="bg1"/>
+                </a:solidFill>
+              </a:rPr>
+              <a:t>:Model</a:t>
+            </a:r>
+            <a:endParaRPr lang="en-SG" sz="1500" dirty="0">
+              <a:solidFill>
+                <a:schemeClr val="bg1"/>
+              </a:solidFill>
+            </a:endParaRPr>
+          </a:p>
+        </p:txBody>
+      </p:sp>
+      <p:cxnSp>
+        <p:nvCxnSpPr>
+          <p:cNvPr id="107" name="Straight Connector 106"/>
+          <p:cNvCxnSpPr>
+            <a:cxnSpLocks/>
+          </p:cNvCxnSpPr>
+          <p:nvPr/>
+        </p:nvCxnSpPr>
+        <p:spPr>
+          <a:xfrm flipH="1">
+            <a:off x="12055593" y="1012785"/>
+            <a:ext cx="6320" cy="8588415"/>
+          </a:xfrm>
+          <a:prstGeom prst="line">
+            <a:avLst/>
+          </a:prstGeom>
+          <a:ln w="19050">
+            <a:solidFill>
+              <a:srgbClr val="0070C0"/>
+            </a:solidFill>
+            <a:prstDash val="sysDash"/>
+          </a:ln>
+          <a:effectLst/>
+        </p:spPr>
+        <p:style>
+          <a:lnRef idx="1">
+            <a:schemeClr val="accent1"/>
+          </a:lnRef>
+          <a:fillRef idx="2">
+            <a:schemeClr val="accent1"/>
+          </a:fillRef>
+          <a:effectRef idx="1">
+            <a:schemeClr val="accent1"/>
+          </a:effectRef>
+          <a:fontRef idx="minor">
+            <a:schemeClr val="dk1"/>
+          </a:fontRef>
+        </p:style>
+      </p:cxnSp>
+      <p:sp>
+        <p:nvSpPr>
+          <p:cNvPr id="109" name="Rectangle 62"/>
+          <p:cNvSpPr/>
+          <p:nvPr/>
+        </p:nvSpPr>
+        <p:spPr>
+          <a:xfrm>
+            <a:off x="10148340" y="6477000"/>
+            <a:ext cx="1796814" cy="516268"/>
+          </a:xfrm>
+          <a:prstGeom prst="rect">
+            <a:avLst/>
+          </a:prstGeom>
+          <a:solidFill>
+            <a:srgbClr val="0070C0"/>
+          </a:solidFill>
+          <a:ln w="19050">
+            <a:solidFill>
+              <a:srgbClr val="0070C0"/>
+            </a:solidFill>
+          </a:ln>
+          <a:effectLst/>
+        </p:spPr>
+        <p:style>
+          <a:lnRef idx="1">
+            <a:schemeClr val="accent2"/>
+          </a:lnRef>
+          <a:fillRef idx="2">
+            <a:schemeClr val="accent2"/>
+          </a:fillRef>
+          <a:effectRef idx="1">
+            <a:schemeClr val="accent2"/>
+          </a:effectRef>
+          <a:fontRef idx="minor">
+            <a:schemeClr val="dk1"/>
+          </a:fontRef>
+        </p:style>
+        <p:txBody>
+          <a:bodyPr rtlCol="0" anchor="ctr"/>
+          <a:lstStyle/>
+          <a:p>
+            <a:pPr algn="ctr"/>
+            <a:r>
+              <a:rPr lang="en-US" sz="1500" dirty="0" smtClean="0">
+                <a:solidFill>
+                  <a:schemeClr val="bg1"/>
+                </a:solidFill>
+              </a:rPr>
+              <a:t>result: </a:t>
+            </a:r>
+            <a:r>
+              <a:rPr lang="en-US" sz="1500" dirty="0" err="1" smtClean="0">
+                <a:solidFill>
+                  <a:schemeClr val="bg1"/>
+                </a:solidFill>
+              </a:rPr>
+              <a:t>CommandResult</a:t>
+            </a:r>
+            <a:endParaRPr lang="en-SG" sz="1500" dirty="0">
+              <a:solidFill>
+                <a:schemeClr val="bg1"/>
+              </a:solidFill>
+            </a:endParaRPr>
+          </a:p>
+        </p:txBody>
+      </p:sp>
+      <p:sp>
+        <p:nvSpPr>
+          <p:cNvPr id="110" name="Rectangle 109"/>
+          <p:cNvSpPr/>
+          <p:nvPr/>
+        </p:nvSpPr>
+        <p:spPr>
+          <a:xfrm>
+            <a:off x="10965719" y="6999084"/>
+            <a:ext cx="162128" cy="176416"/>
+          </a:xfrm>
+          <a:prstGeom prst="rect">
+            <a:avLst/>
+          </a:prstGeom>
+          <a:solidFill>
+            <a:srgbClr val="0070C0"/>
+          </a:solidFill>
+          <a:ln>
+            <a:solidFill>
+              <a:srgbClr val="0070C0"/>
+            </a:solidFill>
+          </a:ln>
+          <a:effectLst/>
+        </p:spPr>
+        <p:style>
+          <a:lnRef idx="1">
+            <a:schemeClr val="accent3"/>
+          </a:lnRef>
+          <a:fillRef idx="2">
+            <a:schemeClr val="accent3"/>
+          </a:fillRef>
+          <a:effectRef idx="1">
+            <a:schemeClr val="accent3"/>
+          </a:effectRef>
+          <a:fontRef idx="minor">
+            <a:schemeClr val="dk1"/>
+          </a:fontRef>
+        </p:style>
+        <p:txBody>
+          <a:bodyPr rtlCol="0" anchor="ctr"/>
+          <a:lstStyle/>
+          <a:p>
+            <a:pPr algn="ctr"/>
+            <a:endParaRPr lang="en-SG" sz="1470"/>
+          </a:p>
+        </p:txBody>
+      </p:sp>
+      <p:sp>
+        <p:nvSpPr>
+          <p:cNvPr id="111" name="TextBox 110"/>
           <p:cNvSpPr txBox="1"/>
           <p:nvPr/>
         </p:nvSpPr>
         <p:spPr>
           <a:xfrm>
-            <a:off x="645270" y="3945901"/>
-            <a:ext cx="762000" cy="215444"/>
+            <a:off x="4953000" y="3886200"/>
+            <a:ext cx="868623" cy="184666"/>
           </a:xfrm>
           <a:prstGeom prst="rect">
             <a:avLst/>
@@ -4458,100 +5425,73 @@
             </a:lvl1pPr>
           </a:lstStyle>
           <a:p>
-            <a:r>
-              <a:rPr lang="en-US" dirty="0"/>
-              <a:t>result</a:t>
-            </a:r>
-          </a:p>
-        </p:txBody>
-      </p:sp>
-      <p:sp>
-        <p:nvSpPr>
-          <p:cNvPr id="84" name="Rectangle 62"/>
+            <a:pPr algn="ctr"/>
+            <a:r>
+              <a:rPr lang="en-US" sz="1200" dirty="0" smtClean="0"/>
+              <a:t>execute( )</a:t>
+            </a:r>
+            <a:endParaRPr lang="en-US" sz="1200" dirty="0"/>
+          </a:p>
+        </p:txBody>
+      </p:sp>
+      <p:cxnSp>
+        <p:nvCxnSpPr>
+          <p:cNvPr id="112" name="Straight Arrow Connector 111"/>
+          <p:cNvCxnSpPr/>
+          <p:nvPr/>
+        </p:nvCxnSpPr>
+        <p:spPr>
+          <a:xfrm>
+            <a:off x="2250536" y="8077200"/>
+            <a:ext cx="5731063" cy="0"/>
+          </a:xfrm>
+          <a:prstGeom prst="straightConnector1">
+            <a:avLst/>
+          </a:prstGeom>
+          <a:ln w="19050">
+            <a:solidFill>
+              <a:schemeClr val="accent1"/>
+            </a:solidFill>
+            <a:prstDash val="sysDash"/>
+            <a:headEnd type="arrow" w="med" len="med"/>
+            <a:tailEnd type="none" w="med" len="med"/>
+          </a:ln>
+        </p:spPr>
+        <p:style>
+          <a:lnRef idx="1">
+            <a:schemeClr val="accent1"/>
+          </a:lnRef>
+          <a:fillRef idx="0">
+            <a:schemeClr val="accent1"/>
+          </a:fillRef>
+          <a:effectRef idx="0">
+            <a:schemeClr val="accent1"/>
+          </a:effectRef>
+          <a:fontRef idx="minor">
+            <a:schemeClr val="tx1"/>
+          </a:fontRef>
+        </p:style>
+      </p:cxnSp>
+      <p:sp>
+        <p:nvSpPr>
+          <p:cNvPr id="114" name="Rectangle 113"/>
           <p:cNvSpPr/>
           <p:nvPr/>
         </p:nvSpPr>
         <p:spPr>
           <a:xfrm>
-            <a:off x="7497155" y="2568606"/>
-            <a:ext cx="2181777" cy="335427"/>
+            <a:off x="11967856" y="4182818"/>
+            <a:ext cx="162128" cy="1895476"/>
           </a:xfrm>
           <a:prstGeom prst="rect">
             <a:avLst/>
           </a:prstGeom>
           <a:solidFill>
-            <a:srgbClr val="7030A0"/>
-          </a:solidFill>
-          <a:ln w="19050">
-            <a:solidFill>
-              <a:srgbClr val="7030A0"/>
-            </a:solidFill>
-          </a:ln>
-          <a:effectLst/>
-        </p:spPr>
-        <p:style>
-          <a:lnRef idx="1">
-            <a:schemeClr val="accent2"/>
-          </a:lnRef>
-          <a:fillRef idx="2">
-            <a:schemeClr val="accent2"/>
-          </a:fillRef>
-          <a:effectRef idx="1">
-            <a:schemeClr val="accent2"/>
-          </a:effectRef>
-          <a:fontRef idx="minor">
-            <a:schemeClr val="dk1"/>
-          </a:fontRef>
-        </p:style>
-        <p:txBody>
-          <a:bodyPr rtlCol="0" anchor="ctr"/>
-          <a:lstStyle/>
-          <a:p>
-            <a:pPr algn="ctr"/>
-            <a:r>
-              <a:rPr lang="en-US" sz="1600" dirty="0">
-                <a:solidFill>
-                  <a:schemeClr val="bg1"/>
-                </a:solidFill>
-              </a:rPr>
-              <a:t>:</a:t>
-            </a:r>
-            <a:r>
-              <a:rPr lang="en-US" sz="1600" dirty="0" err="1">
-                <a:solidFill>
-                  <a:schemeClr val="bg1"/>
-                </a:solidFill>
-              </a:rPr>
-              <a:t>VersionedAddressBook</a:t>
-            </a:r>
-            <a:endParaRPr lang="en-SG" sz="1600" dirty="0">
-              <a:solidFill>
-                <a:schemeClr val="bg1"/>
-              </a:solidFill>
-            </a:endParaRPr>
-          </a:p>
-        </p:txBody>
-      </p:sp>
-      <p:sp>
-        <p:nvSpPr>
-          <p:cNvPr id="86" name="Rectangle 85"/>
-          <p:cNvSpPr/>
-          <p:nvPr/>
-        </p:nvSpPr>
-        <p:spPr>
-          <a:xfrm>
-            <a:off x="8514207" y="3182840"/>
-            <a:ext cx="129933" cy="398562"/>
-          </a:xfrm>
-          <a:prstGeom prst="rect">
-            <a:avLst/>
-          </a:prstGeom>
-          <a:solidFill>
-            <a:srgbClr val="7030A0"/>
+            <a:srgbClr val="0070C0"/>
           </a:solidFill>
           <a:ln>
             <a:solidFill>
-              <a:srgbClr val="7030A0"/>
+              <a:srgbClr val="0070C0"/>
             </a:solidFill>
           </a:ln>
           <a:effectLst/>
@@ -4575,20 +5515,149 @@
           <a:lstStyle/>
           <a:p>
             <a:pPr algn="ctr"/>
-            <a:endParaRPr lang="en-SG" sz="1400"/>
-          </a:p>
-        </p:txBody>
-      </p:sp>
-      <p:sp>
-        <p:nvSpPr>
-          <p:cNvPr id="93" name="TextBox 92"/>
+            <a:endParaRPr lang="en-SG" sz="1470"/>
+          </a:p>
+        </p:txBody>
+      </p:sp>
+      <p:sp>
+        <p:nvSpPr>
+          <p:cNvPr id="115" name="Rectangle 114"/>
+          <p:cNvSpPr/>
+          <p:nvPr/>
+        </p:nvSpPr>
+        <p:spPr>
+          <a:xfrm>
+            <a:off x="11974529" y="1990724"/>
+            <a:ext cx="162128" cy="1895476"/>
+          </a:xfrm>
+          <a:prstGeom prst="rect">
+            <a:avLst/>
+          </a:prstGeom>
+          <a:solidFill>
+            <a:srgbClr val="0070C0"/>
+          </a:solidFill>
+          <a:ln>
+            <a:solidFill>
+              <a:srgbClr val="0070C0"/>
+            </a:solidFill>
+          </a:ln>
+          <a:effectLst/>
+        </p:spPr>
+        <p:style>
+          <a:lnRef idx="1">
+            <a:schemeClr val="accent3"/>
+          </a:lnRef>
+          <a:fillRef idx="2">
+            <a:schemeClr val="accent3"/>
+          </a:fillRef>
+          <a:effectRef idx="1">
+            <a:schemeClr val="accent3"/>
+          </a:effectRef>
+          <a:fontRef idx="minor">
+            <a:schemeClr val="dk1"/>
+          </a:fontRef>
+        </p:style>
+        <p:txBody>
+          <a:bodyPr rtlCol="0" anchor="ctr"/>
+          <a:lstStyle/>
+          <a:p>
+            <a:pPr algn="ctr"/>
+            <a:endParaRPr lang="en-SG" sz="1470"/>
+          </a:p>
+        </p:txBody>
+      </p:sp>
+      <p:cxnSp>
+        <p:nvCxnSpPr>
+          <p:cNvPr id="117" name="Straight Arrow Connector 116">
+            <a:extLst>
+              <a:ext uri="{FF2B5EF4-FFF2-40B4-BE49-F238E27FC236}">
+                <a16:creationId xmlns:a16="http://schemas.microsoft.com/office/drawing/2014/main" xmlns="" id="{D881596E-177C-4FDC-8E60-CAB90B3D5FAB}"/>
+              </a:ext>
+            </a:extLst>
+          </p:cNvPr>
+          <p:cNvCxnSpPr>
+            <a:cxnSpLocks/>
+          </p:cNvCxnSpPr>
+          <p:nvPr/>
+        </p:nvCxnSpPr>
+        <p:spPr>
+          <a:xfrm>
+            <a:off x="8960673" y="6855517"/>
+            <a:ext cx="1000273" cy="0"/>
+          </a:xfrm>
+          <a:prstGeom prst="straightConnector1">
+            <a:avLst/>
+          </a:prstGeom>
+          <a:ln w="19050">
+            <a:solidFill>
+              <a:srgbClr val="0070C0"/>
+            </a:solidFill>
+            <a:tailEnd type="arrow"/>
+          </a:ln>
+        </p:spPr>
+        <p:style>
+          <a:lnRef idx="1">
+            <a:schemeClr val="accent1"/>
+          </a:lnRef>
+          <a:fillRef idx="0">
+            <a:schemeClr val="accent1"/>
+          </a:fillRef>
+          <a:effectRef idx="0">
+            <a:schemeClr val="accent1"/>
+          </a:effectRef>
+          <a:fontRef idx="minor">
+            <a:schemeClr val="tx1"/>
+          </a:fontRef>
+        </p:style>
+      </p:cxnSp>
+      <p:cxnSp>
+        <p:nvCxnSpPr>
+          <p:cNvPr id="118" name="Straight Arrow Connector 117"/>
+          <p:cNvCxnSpPr/>
+          <p:nvPr/>
+        </p:nvCxnSpPr>
+        <p:spPr>
+          <a:xfrm flipV="1">
+            <a:off x="8968948" y="7160317"/>
+            <a:ext cx="1830198" cy="4966"/>
+          </a:xfrm>
+          <a:prstGeom prst="straightConnector1">
+            <a:avLst/>
+          </a:prstGeom>
+          <a:ln w="19050">
+            <a:solidFill>
+              <a:schemeClr val="accent1"/>
+            </a:solidFill>
+            <a:prstDash val="sysDash"/>
+            <a:headEnd type="arrow" w="med" len="med"/>
+            <a:tailEnd type="none" w="med" len="med"/>
+          </a:ln>
+        </p:spPr>
+        <p:style>
+          <a:lnRef idx="1">
+            <a:schemeClr val="accent1"/>
+          </a:lnRef>
+          <a:fillRef idx="0">
+            <a:schemeClr val="accent1"/>
+          </a:fillRef>
+          <a:effectRef idx="0">
+            <a:schemeClr val="accent1"/>
+          </a:effectRef>
+          <a:fontRef idx="minor">
+            <a:schemeClr val="tx1"/>
+          </a:fontRef>
+        </p:style>
+      </p:cxnSp>
+      <p:sp>
+        <p:nvSpPr>
+          <p:cNvPr id="120" name="TextBox 119"/>
           <p:cNvSpPr txBox="1"/>
           <p:nvPr/>
         </p:nvSpPr>
         <p:spPr>
           <a:xfrm>
-            <a:off x="2724792" y="1905793"/>
-            <a:ext cx="220343" cy="215444"/>
+            <a:off x="5067300" y="7850984"/>
+            <a:ext cx="800100" cy="226216"/>
           </a:xfrm>
           <a:prstGeom prst="rect">
             <a:avLst/>
@@ -4612,784 +5681,14 @@
             </a:lvl1pPr>
           </a:lstStyle>
           <a:p>
-            <a:r>
-              <a:rPr lang="en-US" dirty="0"/>
-              <a:t>u</a:t>
-            </a:r>
-          </a:p>
-        </p:txBody>
-      </p:sp>
-      <p:sp>
-        <p:nvSpPr>
-          <p:cNvPr id="40" name="Rectangle 62"/>
-          <p:cNvSpPr/>
-          <p:nvPr/>
-        </p:nvSpPr>
-        <p:spPr>
-          <a:xfrm>
-            <a:off x="6549765" y="2362200"/>
-            <a:ext cx="841636" cy="300180"/>
-          </a:xfrm>
-          <a:prstGeom prst="rect">
-            <a:avLst/>
-          </a:prstGeom>
-          <a:solidFill>
-            <a:srgbClr val="7030A0"/>
-          </a:solidFill>
-          <a:ln w="19050">
-            <a:solidFill>
-              <a:srgbClr val="7030A0"/>
-            </a:solidFill>
-          </a:ln>
-          <a:effectLst/>
-        </p:spPr>
-        <p:style>
-          <a:lnRef idx="1">
-            <a:schemeClr val="accent2"/>
-          </a:lnRef>
-          <a:fillRef idx="2">
-            <a:schemeClr val="accent2"/>
-          </a:fillRef>
-          <a:effectRef idx="1">
-            <a:schemeClr val="accent2"/>
-          </a:effectRef>
-          <a:fontRef idx="minor">
-            <a:schemeClr val="dk1"/>
-          </a:fontRef>
-        </p:style>
-        <p:txBody>
-          <a:bodyPr rtlCol="0" anchor="ctr"/>
-          <a:lstStyle/>
-          <a:p>
             <a:pPr algn="ctr"/>
             <a:r>
-              <a:rPr lang="en-US" sz="1600" dirty="0">
-                <a:solidFill>
-                  <a:schemeClr val="bg1"/>
-                </a:solidFill>
-              </a:rPr>
-              <a:t>: Model</a:t>
-            </a:r>
-            <a:endParaRPr lang="en-SG" sz="1600" dirty="0">
-              <a:solidFill>
-                <a:schemeClr val="bg1"/>
-              </a:solidFill>
-            </a:endParaRPr>
-          </a:p>
-        </p:txBody>
-      </p:sp>
-      <p:cxnSp>
-        <p:nvCxnSpPr>
-          <p:cNvPr id="46" name="Straight Connector 45"/>
-          <p:cNvCxnSpPr>
-            <a:cxnSpLocks/>
-          </p:cNvCxnSpPr>
-          <p:nvPr/>
-        </p:nvCxnSpPr>
-        <p:spPr>
-          <a:xfrm flipH="1">
-            <a:off x="6986491" y="2653306"/>
-            <a:ext cx="3959" cy="1735710"/>
-          </a:xfrm>
-          <a:prstGeom prst="line">
-            <a:avLst/>
-          </a:prstGeom>
-          <a:ln w="19050">
-            <a:solidFill>
-              <a:srgbClr val="7030A0"/>
-            </a:solidFill>
-            <a:prstDash val="sysDash"/>
-          </a:ln>
-          <a:effectLst/>
-        </p:spPr>
-        <p:style>
-          <a:lnRef idx="1">
-            <a:schemeClr val="accent1"/>
-          </a:lnRef>
-          <a:fillRef idx="2">
-            <a:schemeClr val="accent1"/>
-          </a:fillRef>
-          <a:effectRef idx="1">
-            <a:schemeClr val="accent1"/>
-          </a:effectRef>
-          <a:fontRef idx="minor">
-            <a:schemeClr val="dk1"/>
-          </a:fontRef>
-        </p:style>
-      </p:cxnSp>
-      <p:sp>
-        <p:nvSpPr>
-          <p:cNvPr id="49" name="Rectangle 48"/>
-          <p:cNvSpPr/>
-          <p:nvPr/>
-        </p:nvSpPr>
-        <p:spPr>
-          <a:xfrm>
-            <a:off x="6887527" y="2958106"/>
-            <a:ext cx="168896" cy="775693"/>
-          </a:xfrm>
-          <a:prstGeom prst="rect">
-            <a:avLst/>
-          </a:prstGeom>
-          <a:solidFill>
-            <a:srgbClr val="7030A0"/>
-          </a:solidFill>
-          <a:ln>
-            <a:solidFill>
-              <a:srgbClr val="7030A0"/>
-            </a:solidFill>
-          </a:ln>
-          <a:effectLst/>
-        </p:spPr>
-        <p:style>
-          <a:lnRef idx="1">
-            <a:schemeClr val="accent3"/>
-          </a:lnRef>
-          <a:fillRef idx="2">
-            <a:schemeClr val="accent3"/>
-          </a:fillRef>
-          <a:effectRef idx="1">
-            <a:schemeClr val="accent3"/>
-          </a:effectRef>
-          <a:fontRef idx="minor">
-            <a:schemeClr val="dk1"/>
-          </a:fontRef>
-        </p:style>
-        <p:txBody>
-          <a:bodyPr rtlCol="0" anchor="ctr"/>
-          <a:lstStyle/>
-          <a:p>
-            <a:pPr algn="ctr"/>
-            <a:endParaRPr lang="en-SG" sz="1400"/>
-          </a:p>
-        </p:txBody>
-      </p:sp>
-      <p:cxnSp>
-        <p:nvCxnSpPr>
-          <p:cNvPr id="50" name="Straight Arrow Connector 49"/>
-          <p:cNvCxnSpPr>
-            <a:cxnSpLocks/>
-          </p:cNvCxnSpPr>
-          <p:nvPr/>
-        </p:nvCxnSpPr>
-        <p:spPr>
-          <a:xfrm>
-            <a:off x="5685755" y="2975344"/>
-            <a:ext cx="1210345" cy="0"/>
-          </a:xfrm>
-          <a:prstGeom prst="straightConnector1">
-            <a:avLst/>
-          </a:prstGeom>
-          <a:ln w="19050">
-            <a:solidFill>
-              <a:srgbClr val="0070C0"/>
-            </a:solidFill>
-            <a:tailEnd type="arrow"/>
-          </a:ln>
-        </p:spPr>
-        <p:style>
-          <a:lnRef idx="1">
-            <a:schemeClr val="accent1"/>
-          </a:lnRef>
-          <a:fillRef idx="0">
-            <a:schemeClr val="accent1"/>
-          </a:fillRef>
-          <a:effectRef idx="0">
-            <a:schemeClr val="accent1"/>
-          </a:effectRef>
-          <a:fontRef idx="minor">
-            <a:schemeClr val="tx1"/>
-          </a:fontRef>
-        </p:style>
-      </p:cxnSp>
-      <p:sp>
-        <p:nvSpPr>
-          <p:cNvPr id="4" name="TextBox 3"/>
-          <p:cNvSpPr txBox="1"/>
-          <p:nvPr/>
-        </p:nvSpPr>
-        <p:spPr>
-          <a:xfrm>
-            <a:off x="5472880" y="4258211"/>
-            <a:ext cx="258404" cy="261610"/>
-          </a:xfrm>
-          <a:prstGeom prst="rect">
-            <a:avLst/>
-          </a:prstGeom>
-          <a:noFill/>
-        </p:spPr>
-        <p:txBody>
-          <a:bodyPr wrap="none" rtlCol="0">
-            <a:spAutoFit/>
-          </a:bodyPr>
-          <a:lstStyle/>
-          <a:p>
-            <a:r>
-              <a:rPr lang="en-SG" sz="1100" dirty="0">
-                <a:solidFill>
-                  <a:srgbClr val="002060"/>
-                </a:solidFill>
-              </a:rPr>
-              <a:t>X</a:t>
-            </a:r>
-          </a:p>
-        </p:txBody>
-      </p:sp>
-      <p:sp>
-        <p:nvSpPr>
-          <p:cNvPr id="19" name="Rectangle 62"/>
-          <p:cNvSpPr/>
-          <p:nvPr/>
-        </p:nvSpPr>
-        <p:spPr>
-          <a:xfrm>
-            <a:off x="5035976" y="1260268"/>
-            <a:ext cx="1093635" cy="461538"/>
-          </a:xfrm>
-          <a:prstGeom prst="rect">
-            <a:avLst/>
-          </a:prstGeom>
-          <a:solidFill>
-            <a:srgbClr val="0070C0"/>
-          </a:solidFill>
-          <a:ln w="19050">
-            <a:solidFill>
-              <a:srgbClr val="0070C0"/>
-            </a:solidFill>
-          </a:ln>
-          <a:effectLst/>
-        </p:spPr>
-        <p:style>
-          <a:lnRef idx="1">
-            <a:schemeClr val="accent2"/>
-          </a:lnRef>
-          <a:fillRef idx="2">
-            <a:schemeClr val="accent2"/>
-          </a:fillRef>
-          <a:effectRef idx="1">
-            <a:schemeClr val="accent2"/>
-          </a:effectRef>
-          <a:fontRef idx="minor">
-            <a:schemeClr val="dk1"/>
-          </a:fontRef>
-        </p:style>
-        <p:txBody>
-          <a:bodyPr rtlCol="0" anchor="ctr"/>
-          <a:lstStyle/>
-          <a:p>
-            <a:pPr algn="ctr"/>
-            <a:r>
-              <a:rPr lang="en-US" sz="1600" dirty="0">
-                <a:solidFill>
-                  <a:schemeClr val="bg1"/>
-                </a:solidFill>
-              </a:rPr>
-              <a:t>u:Undo</a:t>
-            </a:r>
-            <a:br>
-              <a:rPr lang="en-US" sz="1600" dirty="0">
-                <a:solidFill>
-                  <a:schemeClr val="bg1"/>
-                </a:solidFill>
-              </a:rPr>
-            </a:br>
-            <a:r>
-              <a:rPr lang="en-US" sz="1600" dirty="0">
-                <a:solidFill>
-                  <a:schemeClr val="bg1"/>
-                </a:solidFill>
-              </a:rPr>
-              <a:t>Command</a:t>
-            </a:r>
-            <a:endParaRPr lang="en-SG" sz="1600" dirty="0">
-              <a:solidFill>
-                <a:schemeClr val="bg1"/>
-              </a:solidFill>
-            </a:endParaRPr>
-          </a:p>
-        </p:txBody>
-      </p:sp>
-      <p:cxnSp>
-        <p:nvCxnSpPr>
-          <p:cNvPr id="66" name="Straight Arrow Connector 65">
-            <a:extLst>
-              <a:ext uri="{FF2B5EF4-FFF2-40B4-BE49-F238E27FC236}">
-                <a16:creationId xmlns:a16="http://schemas.microsoft.com/office/drawing/2014/main" id="{39916E2E-195A-4DC8-B025-B05FA87E6796}"/>
-              </a:ext>
-            </a:extLst>
-          </p:cNvPr>
-          <p:cNvCxnSpPr>
-            <a:cxnSpLocks/>
-          </p:cNvCxnSpPr>
-          <p:nvPr/>
-        </p:nvCxnSpPr>
-        <p:spPr>
-          <a:xfrm>
-            <a:off x="1691351" y="2731314"/>
-            <a:ext cx="3832164" cy="1"/>
-          </a:xfrm>
-          <a:prstGeom prst="straightConnector1">
-            <a:avLst/>
-          </a:prstGeom>
-          <a:ln w="19050">
-            <a:solidFill>
-              <a:srgbClr val="0070C0"/>
-            </a:solidFill>
-            <a:tailEnd type="arrow"/>
-          </a:ln>
-        </p:spPr>
-        <p:style>
-          <a:lnRef idx="1">
-            <a:schemeClr val="accent1"/>
-          </a:lnRef>
-          <a:fillRef idx="0">
-            <a:schemeClr val="accent1"/>
-          </a:fillRef>
-          <a:effectRef idx="0">
-            <a:schemeClr val="accent1"/>
-          </a:effectRef>
-          <a:fontRef idx="minor">
-            <a:schemeClr val="tx1"/>
-          </a:fontRef>
-        </p:style>
-      </p:cxnSp>
-      <p:cxnSp>
-        <p:nvCxnSpPr>
-          <p:cNvPr id="67" name="Straight Arrow Connector 66">
-            <a:extLst>
-              <a:ext uri="{FF2B5EF4-FFF2-40B4-BE49-F238E27FC236}">
-                <a16:creationId xmlns:a16="http://schemas.microsoft.com/office/drawing/2014/main" id="{D881596E-177C-4FDC-8E60-CAB90B3D5FAB}"/>
-              </a:ext>
-            </a:extLst>
-          </p:cNvPr>
-          <p:cNvCxnSpPr>
-            <a:cxnSpLocks/>
-          </p:cNvCxnSpPr>
-          <p:nvPr/>
-        </p:nvCxnSpPr>
-        <p:spPr>
-          <a:xfrm>
-            <a:off x="1708245" y="1363918"/>
-            <a:ext cx="2256705" cy="1"/>
-          </a:xfrm>
-          <a:prstGeom prst="straightConnector1">
-            <a:avLst/>
-          </a:prstGeom>
-          <a:ln w="19050">
-            <a:solidFill>
-              <a:srgbClr val="0070C0"/>
-            </a:solidFill>
-            <a:tailEnd type="arrow"/>
-          </a:ln>
-        </p:spPr>
-        <p:style>
-          <a:lnRef idx="1">
-            <a:schemeClr val="accent1"/>
-          </a:lnRef>
-          <a:fillRef idx="0">
-            <a:schemeClr val="accent1"/>
-          </a:fillRef>
-          <a:effectRef idx="0">
-            <a:schemeClr val="accent1"/>
-          </a:effectRef>
-          <a:fontRef idx="minor">
-            <a:schemeClr val="tx1"/>
-          </a:fontRef>
-        </p:style>
-      </p:cxnSp>
-      <p:cxnSp>
-        <p:nvCxnSpPr>
-          <p:cNvPr id="69" name="Straight Arrow Connector 68">
-            <a:extLst>
-              <a:ext uri="{FF2B5EF4-FFF2-40B4-BE49-F238E27FC236}">
-                <a16:creationId xmlns:a16="http://schemas.microsoft.com/office/drawing/2014/main" id="{7C9F21BC-13A9-471F-825A-2621FD36355F}"/>
-              </a:ext>
-            </a:extLst>
-          </p:cNvPr>
-          <p:cNvCxnSpPr>
-            <a:cxnSpLocks/>
-          </p:cNvCxnSpPr>
-          <p:nvPr/>
-        </p:nvCxnSpPr>
-        <p:spPr>
-          <a:xfrm>
-            <a:off x="1691998" y="4036462"/>
-            <a:ext cx="3831517" cy="0"/>
-          </a:xfrm>
-          <a:prstGeom prst="straightConnector1">
-            <a:avLst/>
-          </a:prstGeom>
-          <a:ln w="19050">
-            <a:solidFill>
-              <a:srgbClr val="0070C0"/>
-            </a:solidFill>
-            <a:prstDash val="sysDash"/>
-            <a:headEnd type="arrow" w="med" len="med"/>
-            <a:tailEnd type="none" w="med" len="med"/>
-          </a:ln>
-        </p:spPr>
-        <p:style>
-          <a:lnRef idx="1">
-            <a:schemeClr val="accent1"/>
-          </a:lnRef>
-          <a:fillRef idx="0">
-            <a:schemeClr val="accent1"/>
-          </a:fillRef>
-          <a:effectRef idx="0">
-            <a:schemeClr val="accent1"/>
-          </a:effectRef>
-          <a:fontRef idx="minor">
-            <a:schemeClr val="tx1"/>
-          </a:fontRef>
-        </p:style>
-      </p:cxnSp>
-      <p:sp>
-        <p:nvSpPr>
-          <p:cNvPr id="88" name="TextBox 87">
-            <a:extLst>
-              <a:ext uri="{FF2B5EF4-FFF2-40B4-BE49-F238E27FC236}">
-                <a16:creationId xmlns:a16="http://schemas.microsoft.com/office/drawing/2014/main" id="{B85C6184-7378-4E89-A338-72B1E5056F4F}"/>
-              </a:ext>
-            </a:extLst>
-          </p:cNvPr>
-          <p:cNvSpPr txBox="1"/>
-          <p:nvPr/>
-        </p:nvSpPr>
-        <p:spPr>
-          <a:xfrm>
-            <a:off x="8769530" y="3267337"/>
-            <a:ext cx="2120786" cy="184666"/>
-          </a:xfrm>
-          <a:prstGeom prst="rect">
-            <a:avLst/>
-          </a:prstGeom>
-          <a:noFill/>
-        </p:spPr>
-        <p:txBody>
-          <a:bodyPr wrap="square" lIns="0" tIns="0" rIns="0" bIns="0" rtlCol="0">
-            <a:spAutoFit/>
-          </a:bodyPr>
-          <a:lstStyle>
-            <a:defPPr>
-              <a:defRPr lang="en-US"/>
-            </a:defPPr>
-            <a:lvl1pPr algn="r">
-              <a:defRPr sz="1400">
-                <a:solidFill>
-                  <a:srgbClr val="0070C0"/>
-                </a:solidFill>
-              </a:defRPr>
-            </a:lvl1pPr>
-          </a:lstStyle>
-          <a:p>
-            <a:r>
-              <a:rPr lang="en-US" sz="1200" dirty="0" err="1">
-                <a:solidFill>
-                  <a:srgbClr val="7030A0"/>
-                </a:solidFill>
-              </a:rPr>
-              <a:t>resetData</a:t>
-            </a:r>
-            <a:r>
-              <a:rPr lang="en-US" sz="1200" dirty="0">
-                <a:solidFill>
-                  <a:srgbClr val="7030A0"/>
-                </a:solidFill>
-              </a:rPr>
-              <a:t>(</a:t>
-            </a:r>
-            <a:r>
-              <a:rPr lang="en-US" sz="1200" dirty="0" err="1">
-                <a:solidFill>
-                  <a:srgbClr val="7030A0"/>
-                </a:solidFill>
-              </a:rPr>
-              <a:t>ReadOnlyAddressBook</a:t>
-            </a:r>
-            <a:r>
-              <a:rPr lang="en-US" sz="1200" dirty="0">
-                <a:solidFill>
-                  <a:srgbClr val="7030A0"/>
-                </a:solidFill>
-              </a:rPr>
-              <a:t>)</a:t>
-            </a:r>
-            <a:endParaRPr lang="en-US" sz="1200" dirty="0"/>
-          </a:p>
-        </p:txBody>
-      </p:sp>
-      <p:cxnSp>
-        <p:nvCxnSpPr>
-          <p:cNvPr id="89" name="Straight Connector 88">
-            <a:extLst>
-              <a:ext uri="{FF2B5EF4-FFF2-40B4-BE49-F238E27FC236}">
-                <a16:creationId xmlns:a16="http://schemas.microsoft.com/office/drawing/2014/main" id="{E4E1C8CA-49DF-45D8-80A5-D5C8282EE927}"/>
-              </a:ext>
-            </a:extLst>
-          </p:cNvPr>
-          <p:cNvCxnSpPr>
-            <a:cxnSpLocks/>
-          </p:cNvCxnSpPr>
-          <p:nvPr/>
-        </p:nvCxnSpPr>
-        <p:spPr>
-          <a:xfrm>
-            <a:off x="8588043" y="2871355"/>
-            <a:ext cx="17996" cy="1467648"/>
-          </a:xfrm>
-          <a:prstGeom prst="line">
-            <a:avLst/>
-          </a:prstGeom>
-          <a:ln w="19050">
-            <a:solidFill>
-              <a:srgbClr val="7030A0"/>
-            </a:solidFill>
-            <a:prstDash val="sysDash"/>
-          </a:ln>
-          <a:effectLst/>
-        </p:spPr>
-        <p:style>
-          <a:lnRef idx="1">
-            <a:schemeClr val="accent1"/>
-          </a:lnRef>
-          <a:fillRef idx="2">
-            <a:schemeClr val="accent1"/>
-          </a:fillRef>
-          <a:effectRef idx="1">
-            <a:schemeClr val="accent1"/>
-          </a:effectRef>
-          <a:fontRef idx="minor">
-            <a:schemeClr val="dk1"/>
-          </a:fontRef>
-        </p:style>
-      </p:cxnSp>
-      <p:sp>
-        <p:nvSpPr>
-          <p:cNvPr id="41" name="TextBox 40"/>
-          <p:cNvSpPr txBox="1"/>
-          <p:nvPr/>
-        </p:nvSpPr>
-        <p:spPr>
-          <a:xfrm>
-            <a:off x="7667691" y="2975344"/>
-            <a:ext cx="551687" cy="184666"/>
-          </a:xfrm>
-          <a:prstGeom prst="rect">
-            <a:avLst/>
-          </a:prstGeom>
-          <a:noFill/>
-          <a:ln>
-            <a:noFill/>
-          </a:ln>
-        </p:spPr>
-        <p:txBody>
-          <a:bodyPr wrap="square" lIns="0" tIns="0" rIns="0" bIns="0" rtlCol="0">
-            <a:spAutoFit/>
-          </a:bodyPr>
-          <a:lstStyle>
-            <a:defPPr>
-              <a:defRPr lang="en-US"/>
-            </a:defPPr>
-            <a:lvl1pPr algn="r">
-              <a:defRPr sz="1400">
-                <a:solidFill>
-                  <a:srgbClr val="0070C0"/>
-                </a:solidFill>
-              </a:defRPr>
-            </a:lvl1pPr>
-          </a:lstStyle>
-          <a:p>
-            <a:r>
-              <a:rPr lang="en-US" sz="1200" dirty="0">
-                <a:solidFill>
-                  <a:srgbClr val="7030A0"/>
-                </a:solidFill>
-              </a:rPr>
-              <a:t>undo</a:t>
-            </a:r>
-            <a:r>
-              <a:rPr lang="en-US" sz="1200" dirty="0">
-                <a:solidFill>
-                  <a:schemeClr val="accent4">
-                    <a:lumMod val="75000"/>
-                  </a:schemeClr>
-                </a:solidFill>
-              </a:rPr>
-              <a:t>()</a:t>
-            </a:r>
-          </a:p>
-        </p:txBody>
-      </p:sp>
-      <p:cxnSp>
-        <p:nvCxnSpPr>
-          <p:cNvPr id="13" name="Curved Connector 12"/>
-          <p:cNvCxnSpPr/>
-          <p:nvPr/>
-        </p:nvCxnSpPr>
-        <p:spPr>
-          <a:xfrm rot="16200000" flipH="1">
-            <a:off x="8527578" y="3220579"/>
-            <a:ext cx="156923" cy="76200"/>
-          </a:xfrm>
-          <a:prstGeom prst="curvedConnector4">
-            <a:avLst>
-              <a:gd name="adj1" fmla="val -145677"/>
-              <a:gd name="adj2" fmla="val 400000"/>
-            </a:avLst>
-          </a:prstGeom>
-          <a:ln>
-            <a:solidFill>
-              <a:srgbClr val="7030A0"/>
-            </a:solidFill>
-            <a:tailEnd type="triangle"/>
-          </a:ln>
-        </p:spPr>
-        <p:style>
-          <a:lnRef idx="1">
-            <a:schemeClr val="accent1"/>
-          </a:lnRef>
-          <a:fillRef idx="0">
-            <a:schemeClr val="accent1"/>
-          </a:fillRef>
-          <a:effectRef idx="0">
-            <a:schemeClr val="accent1"/>
-          </a:effectRef>
-          <a:fontRef idx="minor">
-            <a:schemeClr val="tx1"/>
-          </a:fontRef>
-        </p:style>
-      </p:cxnSp>
-      <p:cxnSp>
-        <p:nvCxnSpPr>
-          <p:cNvPr id="52" name="Straight Arrow Connector 51"/>
-          <p:cNvCxnSpPr>
-            <a:cxnSpLocks/>
-          </p:cNvCxnSpPr>
-          <p:nvPr/>
-        </p:nvCxnSpPr>
-        <p:spPr>
-          <a:xfrm>
-            <a:off x="7043991" y="3182839"/>
-            <a:ext cx="1470216" cy="0"/>
-          </a:xfrm>
-          <a:prstGeom prst="straightConnector1">
-            <a:avLst/>
-          </a:prstGeom>
-          <a:ln w="19050">
-            <a:solidFill>
-              <a:srgbClr val="7030A0"/>
-            </a:solidFill>
-            <a:tailEnd type="arrow"/>
-          </a:ln>
-        </p:spPr>
-        <p:style>
-          <a:lnRef idx="1">
-            <a:schemeClr val="accent1"/>
-          </a:lnRef>
-          <a:fillRef idx="0">
-            <a:schemeClr val="accent1"/>
-          </a:fillRef>
-          <a:effectRef idx="0">
-            <a:schemeClr val="accent1"/>
-          </a:effectRef>
-          <a:fontRef idx="minor">
-            <a:schemeClr val="tx1"/>
-          </a:fontRef>
-        </p:style>
-      </p:cxnSp>
-      <p:cxnSp>
-        <p:nvCxnSpPr>
-          <p:cNvPr id="60" name="Straight Arrow Connector 59">
-            <a:extLst>
-              <a:ext uri="{FF2B5EF4-FFF2-40B4-BE49-F238E27FC236}">
-                <a16:creationId xmlns:a16="http://schemas.microsoft.com/office/drawing/2014/main" id="{7C9F21BC-13A9-471F-825A-2621FD36355F}"/>
-              </a:ext>
-            </a:extLst>
-          </p:cNvPr>
-          <p:cNvCxnSpPr>
-            <a:cxnSpLocks/>
-          </p:cNvCxnSpPr>
-          <p:nvPr/>
-        </p:nvCxnSpPr>
-        <p:spPr>
-          <a:xfrm flipV="1">
-            <a:off x="7043991" y="3564914"/>
-            <a:ext cx="1470216" cy="6325"/>
-          </a:xfrm>
-          <a:prstGeom prst="straightConnector1">
-            <a:avLst/>
-          </a:prstGeom>
-          <a:ln w="19050">
-            <a:solidFill>
-              <a:srgbClr val="7030A0"/>
-            </a:solidFill>
-            <a:prstDash val="sysDash"/>
-            <a:headEnd type="arrow" w="med" len="med"/>
-            <a:tailEnd type="none" w="med" len="med"/>
-          </a:ln>
-        </p:spPr>
-        <p:style>
-          <a:lnRef idx="1">
-            <a:schemeClr val="accent1"/>
-          </a:lnRef>
-          <a:fillRef idx="0">
-            <a:schemeClr val="accent1"/>
-          </a:fillRef>
-          <a:effectRef idx="0">
-            <a:schemeClr val="accent1"/>
-          </a:effectRef>
-          <a:fontRef idx="minor">
-            <a:schemeClr val="tx1"/>
-          </a:fontRef>
-        </p:style>
-      </p:cxnSp>
-      <p:cxnSp>
-        <p:nvCxnSpPr>
-          <p:cNvPr id="63" name="Straight Arrow Connector 62">
-            <a:extLst>
-              <a:ext uri="{FF2B5EF4-FFF2-40B4-BE49-F238E27FC236}">
-                <a16:creationId xmlns:a16="http://schemas.microsoft.com/office/drawing/2014/main" id="{7C9F21BC-13A9-471F-825A-2621FD36355F}"/>
-              </a:ext>
-            </a:extLst>
-          </p:cNvPr>
-          <p:cNvCxnSpPr>
-            <a:cxnSpLocks/>
-            <a:endCxn id="49" idx="2"/>
-          </p:cNvCxnSpPr>
-          <p:nvPr/>
-        </p:nvCxnSpPr>
-        <p:spPr>
-          <a:xfrm>
-            <a:off x="5675919" y="3733799"/>
-            <a:ext cx="1296056" cy="0"/>
-          </a:xfrm>
-          <a:prstGeom prst="straightConnector1">
-            <a:avLst/>
-          </a:prstGeom>
-          <a:ln w="19050">
-            <a:solidFill>
-              <a:srgbClr val="7030A0"/>
-            </a:solidFill>
-            <a:prstDash val="sysDash"/>
-            <a:headEnd type="arrow" w="med" len="med"/>
-            <a:tailEnd type="none" w="med" len="med"/>
-          </a:ln>
-        </p:spPr>
-        <p:style>
-          <a:lnRef idx="1">
-            <a:schemeClr val="accent1"/>
-          </a:lnRef>
-          <a:fillRef idx="0">
-            <a:schemeClr val="accent1"/>
-          </a:fillRef>
-          <a:effectRef idx="0">
-            <a:schemeClr val="accent1"/>
-          </a:effectRef>
-          <a:fontRef idx="minor">
-            <a:schemeClr val="tx1"/>
-          </a:fontRef>
-        </p:style>
-      </p:cxnSp>
+              <a:rPr lang="en-US" sz="1470" dirty="0"/>
+              <a:t>result</a:t>
+            </a:r>
+          </a:p>
+        </p:txBody>
+      </p:sp>
     </p:spTree>
     <p:extLst>
       <p:ext uri="{BB962C8B-B14F-4D97-AF65-F5344CB8AC3E}">
@@ -5400,6 +5699,13 @@
   <p:clrMapOvr>
     <a:masterClrMapping/>
   </p:clrMapOvr>
+  <p:timing>
+    <p:tnLst>
+      <p:par>
+        <p:cTn id="1" dur="indefinite" restart="never" nodeType="tmRoot"/>
+      </p:par>
+    </p:tnLst>
+  </p:timing>
 </p:sld>
 </file>
 
